--- a/powerpointer/matchrapporter/20220930 IK Sirius - Villa Lidköping halvlek 1 clean och 20220930 IK Sirius - Villa Lidköping halvlek 2 .pptx
+++ b/powerpointer/matchrapporter/20220930 IK Sirius - Villa Lidköping halvlek 1 clean och 20220930 IK Sirius - Villa Lidköping halvlek 2 .pptx
@@ -3125,7 +3125,7 @@
               </a:defRPr>
             </a:pPr>
             <a:r>
-              <a:t>IK Sirius - Villa Lidköping BK</a:t>
+              <a:t>Villa Lidköping BK - IK Sirius</a:t>
             </a:r>
           </a:p>
         </p:txBody>
@@ -3153,14 +3153,14 @@
               </a:defRPr>
             </a:pPr>
             <a:r>
-              <a:t>2 - 7</a:t>
+              <a:t>7 - 2</a:t>
             </a:r>
           </a:p>
         </p:txBody>
       </p:sp>
       <p:pic>
         <p:nvPicPr>
-          <p:cNvPr id="4" name="Picture 3" descr="sirius logo.png"/>
+          <p:cNvPr id="4" name="Picture 3" descr="villa logo.png"/>
           <p:cNvPicPr>
             <a:picLocks noChangeAspect="1"/>
           </p:cNvPicPr>
@@ -3184,7 +3184,7 @@
       </p:pic>
       <p:pic>
         <p:nvPicPr>
-          <p:cNvPr id="5" name="Picture 4" descr="villa logo.png"/>
+          <p:cNvPr id="5" name="Picture 4" descr="sirius logo.png"/>
           <p:cNvPicPr>
             <a:picLocks noChangeAspect="1"/>
           </p:cNvPicPr>
@@ -3271,6 +3271,99 @@
             <a:pPr>
               <a:defRPr>
                 <a:solidFill>
+                  <a:srgbClr val="FFFEFE"/>
+                </a:solidFill>
+              </a:defRPr>
+            </a:pPr>
+            <a:r>
+              <a:t>Villa</a:t>
+            </a:r>
+          </a:p>
+        </p:txBody>
+      </p:sp>
+      <p:sp>
+        <p:nvSpPr>
+          <p:cNvPr id="4" name="Content Placeholder 3"/>
+          <p:cNvSpPr>
+            <a:spLocks noGrp="1"/>
+          </p:cNvSpPr>
+          <p:nvPr>
+            <p:ph idx="2" sz="half"/>
+          </p:nvPr>
+        </p:nvSpPr>
+        <p:spPr/>
+        <p:txBody>
+          <a:bodyPr/>
+          <a:lstStyle/>
+          <a:p/>
+          <a:p>
+            <a:pPr>
+              <a:defRPr>
+                <a:solidFill>
+                  <a:srgbClr val="FFFEFE"/>
+                </a:solidFill>
+              </a:defRPr>
+            </a:pPr>
+            <a:r>
+              <a:t>Resultat: </a:t>
+            </a:r>
+            <a:br/>
+            <a:r>
+              <a:t>	7</a:t>
+            </a:r>
+          </a:p>
+          <a:p>
+            <a:pPr>
+              <a:defRPr>
+                <a:solidFill>
+                  <a:srgbClr val="FFFEFE"/>
+                </a:solidFill>
+              </a:defRPr>
+            </a:pPr>
+            <a:r>
+              <a:t>Skott på mål: </a:t>
+            </a:r>
+            <a:br/>
+            <a:r>
+              <a:t>	15</a:t>
+            </a:r>
+          </a:p>
+          <a:p>
+            <a:pPr>
+              <a:defRPr>
+                <a:solidFill>
+                  <a:srgbClr val="FFFEFE"/>
+                </a:solidFill>
+              </a:defRPr>
+            </a:pPr>
+            <a:r>
+              <a:t>Bollinnehav: </a:t>
+            </a:r>
+            <a:br/>
+            <a:r>
+              <a:t>	0:22:42</a:t>
+            </a:r>
+          </a:p>
+        </p:txBody>
+      </p:sp>
+      <p:sp>
+        <p:nvSpPr>
+          <p:cNvPr id="5" name="Text Placeholder 4"/>
+          <p:cNvSpPr>
+            <a:spLocks noGrp="1"/>
+          </p:cNvSpPr>
+          <p:nvPr>
+            <p:ph type="body" idx="3" sz="quarter"/>
+          </p:nvPr>
+        </p:nvSpPr>
+        <p:spPr/>
+        <p:txBody>
+          <a:bodyPr/>
+          <a:lstStyle/>
+          <a:p>
+            <a:pPr>
+              <a:defRPr>
+                <a:solidFill>
                   <a:srgbClr val="000000"/>
                 </a:solidFill>
               </a:defRPr>
@@ -3283,12 +3376,12 @@
       </p:sp>
       <p:sp>
         <p:nvSpPr>
-          <p:cNvPr id="4" name="Content Placeholder 3"/>
-          <p:cNvSpPr>
-            <a:spLocks noGrp="1"/>
-          </p:cNvSpPr>
-          <p:nvPr>
-            <p:ph idx="2" sz="half"/>
+          <p:cNvPr id="6" name="Content Placeholder 5"/>
+          <p:cNvSpPr>
+            <a:spLocks noGrp="1"/>
+          </p:cNvSpPr>
+          <p:nvPr>
+            <p:ph idx="4" sz="quarter"/>
           </p:nvPr>
         </p:nvSpPr>
         <p:spPr/>
@@ -3342,106 +3435,13 @@
             <a:br/>
             <a:r>
               <a:t>	0:26:20</a:t>
-            </a:r>
-          </a:p>
-        </p:txBody>
-      </p:sp>
-      <p:sp>
-        <p:nvSpPr>
-          <p:cNvPr id="5" name="Text Placeholder 4"/>
-          <p:cNvSpPr>
-            <a:spLocks noGrp="1"/>
-          </p:cNvSpPr>
-          <p:nvPr>
-            <p:ph type="body" idx="3" sz="quarter"/>
-          </p:nvPr>
-        </p:nvSpPr>
-        <p:spPr/>
-        <p:txBody>
-          <a:bodyPr/>
-          <a:lstStyle/>
-          <a:p>
-            <a:pPr>
-              <a:defRPr>
-                <a:solidFill>
-                  <a:srgbClr val="FFFEFE"/>
-                </a:solidFill>
-              </a:defRPr>
-            </a:pPr>
-            <a:r>
-              <a:t>Villa</a:t>
-            </a:r>
-          </a:p>
-        </p:txBody>
-      </p:sp>
-      <p:sp>
-        <p:nvSpPr>
-          <p:cNvPr id="6" name="Content Placeholder 5"/>
-          <p:cNvSpPr>
-            <a:spLocks noGrp="1"/>
-          </p:cNvSpPr>
-          <p:nvPr>
-            <p:ph idx="4" sz="quarter"/>
-          </p:nvPr>
-        </p:nvSpPr>
-        <p:spPr/>
-        <p:txBody>
-          <a:bodyPr/>
-          <a:lstStyle/>
-          <a:p/>
-          <a:p>
-            <a:pPr>
-              <a:defRPr>
-                <a:solidFill>
-                  <a:srgbClr val="FFFEFE"/>
-                </a:solidFill>
-              </a:defRPr>
-            </a:pPr>
-            <a:r>
-              <a:t>Resultat: </a:t>
-            </a:r>
-            <a:br/>
-            <a:r>
-              <a:t>	7</a:t>
-            </a:r>
-          </a:p>
-          <a:p>
-            <a:pPr>
-              <a:defRPr>
-                <a:solidFill>
-                  <a:srgbClr val="FFFEFE"/>
-                </a:solidFill>
-              </a:defRPr>
-            </a:pPr>
-            <a:r>
-              <a:t>Skott på mål: </a:t>
-            </a:r>
-            <a:br/>
-            <a:r>
-              <a:t>	15</a:t>
-            </a:r>
-          </a:p>
-          <a:p>
-            <a:pPr>
-              <a:defRPr>
-                <a:solidFill>
-                  <a:srgbClr val="FFFEFE"/>
-                </a:solidFill>
-              </a:defRPr>
-            </a:pPr>
-            <a:r>
-              <a:t>Bollinnehav: </a:t>
-            </a:r>
-            <a:br/>
-            <a:r>
-              <a:t>	0:22:42</a:t>
             </a:r>
           </a:p>
         </p:txBody>
       </p:sp>
       <p:pic>
         <p:nvPicPr>
-          <p:cNvPr id="7" name="Picture 6" descr="sirius logo.png"/>
+          <p:cNvPr id="7" name="Picture 6" descr="villa logo.png"/>
           <p:cNvPicPr>
             <a:picLocks noChangeAspect="1"/>
           </p:cNvPicPr>
@@ -3465,7 +3465,7 @@
       </p:pic>
       <p:pic>
         <p:nvPicPr>
-          <p:cNvPr id="8" name="Picture 7" descr="villa logo.png"/>
+          <p:cNvPr id="8" name="Picture 7" descr="sirius logo.png"/>
           <p:cNvPicPr>
             <a:picLocks noChangeAspect="1"/>
           </p:cNvPicPr>
@@ -3552,6 +3552,99 @@
             <a:pPr>
               <a:defRPr>
                 <a:solidFill>
+                  <a:srgbClr val="FFFEFE"/>
+                </a:solidFill>
+              </a:defRPr>
+            </a:pPr>
+            <a:r>
+              <a:t>Villa</a:t>
+            </a:r>
+          </a:p>
+        </p:txBody>
+      </p:sp>
+      <p:sp>
+        <p:nvSpPr>
+          <p:cNvPr id="4" name="Content Placeholder 3"/>
+          <p:cNvSpPr>
+            <a:spLocks noGrp="1"/>
+          </p:cNvSpPr>
+          <p:nvPr>
+            <p:ph idx="2" sz="half"/>
+          </p:nvPr>
+        </p:nvSpPr>
+        <p:spPr/>
+        <p:txBody>
+          <a:bodyPr/>
+          <a:lstStyle/>
+          <a:p/>
+          <a:p>
+            <a:pPr>
+              <a:defRPr>
+                <a:solidFill>
+                  <a:srgbClr val="FFFEFE"/>
+                </a:solidFill>
+              </a:defRPr>
+            </a:pPr>
+            <a:r>
+              <a:t>Vunna närkamper: </a:t>
+            </a:r>
+            <a:br/>
+            <a:r>
+              <a:t>	12</a:t>
+            </a:r>
+          </a:p>
+          <a:p>
+            <a:pPr>
+              <a:defRPr>
+                <a:solidFill>
+                  <a:srgbClr val="FFFEFE"/>
+                </a:solidFill>
+              </a:defRPr>
+            </a:pPr>
+            <a:r>
+              <a:t>Brytningar: </a:t>
+            </a:r>
+            <a:br/>
+            <a:r>
+              <a:t>	3</a:t>
+            </a:r>
+          </a:p>
+          <a:p>
+            <a:pPr>
+              <a:defRPr>
+                <a:solidFill>
+                  <a:srgbClr val="FFFEFE"/>
+                </a:solidFill>
+              </a:defRPr>
+            </a:pPr>
+            <a:r>
+              <a:t>Bolltapp: </a:t>
+            </a:r>
+            <a:br/>
+            <a:r>
+              <a:t>	1</a:t>
+            </a:r>
+          </a:p>
+        </p:txBody>
+      </p:sp>
+      <p:sp>
+        <p:nvSpPr>
+          <p:cNvPr id="5" name="Text Placeholder 4"/>
+          <p:cNvSpPr>
+            <a:spLocks noGrp="1"/>
+          </p:cNvSpPr>
+          <p:nvPr>
+            <p:ph type="body" idx="3" sz="quarter"/>
+          </p:nvPr>
+        </p:nvSpPr>
+        <p:spPr/>
+        <p:txBody>
+          <a:bodyPr/>
+          <a:lstStyle/>
+          <a:p>
+            <a:pPr>
+              <a:defRPr>
+                <a:solidFill>
                   <a:srgbClr val="000000"/>
                 </a:solidFill>
               </a:defRPr>
@@ -3564,12 +3657,12 @@
       </p:sp>
       <p:sp>
         <p:nvSpPr>
-          <p:cNvPr id="4" name="Content Placeholder 3"/>
-          <p:cNvSpPr>
-            <a:spLocks noGrp="1"/>
-          </p:cNvSpPr>
-          <p:nvPr>
-            <p:ph idx="2" sz="half"/>
+          <p:cNvPr id="6" name="Content Placeholder 5"/>
+          <p:cNvSpPr>
+            <a:spLocks noGrp="1"/>
+          </p:cNvSpPr>
+          <p:nvPr>
+            <p:ph idx="4" sz="quarter"/>
           </p:nvPr>
         </p:nvSpPr>
         <p:spPr/>
@@ -3623,106 +3716,13 @@
             <a:br/>
             <a:r>
               <a:t>	10</a:t>
-            </a:r>
-          </a:p>
-        </p:txBody>
-      </p:sp>
-      <p:sp>
-        <p:nvSpPr>
-          <p:cNvPr id="5" name="Text Placeholder 4"/>
-          <p:cNvSpPr>
-            <a:spLocks noGrp="1"/>
-          </p:cNvSpPr>
-          <p:nvPr>
-            <p:ph type="body" idx="3" sz="quarter"/>
-          </p:nvPr>
-        </p:nvSpPr>
-        <p:spPr/>
-        <p:txBody>
-          <a:bodyPr/>
-          <a:lstStyle/>
-          <a:p>
-            <a:pPr>
-              <a:defRPr>
-                <a:solidFill>
-                  <a:srgbClr val="FFFEFE"/>
-                </a:solidFill>
-              </a:defRPr>
-            </a:pPr>
-            <a:r>
-              <a:t>Villa</a:t>
-            </a:r>
-          </a:p>
-        </p:txBody>
-      </p:sp>
-      <p:sp>
-        <p:nvSpPr>
-          <p:cNvPr id="6" name="Content Placeholder 5"/>
-          <p:cNvSpPr>
-            <a:spLocks noGrp="1"/>
-          </p:cNvSpPr>
-          <p:nvPr>
-            <p:ph idx="4" sz="quarter"/>
-          </p:nvPr>
-        </p:nvSpPr>
-        <p:spPr/>
-        <p:txBody>
-          <a:bodyPr/>
-          <a:lstStyle/>
-          <a:p/>
-          <a:p>
-            <a:pPr>
-              <a:defRPr>
-                <a:solidFill>
-                  <a:srgbClr val="FFFEFE"/>
-                </a:solidFill>
-              </a:defRPr>
-            </a:pPr>
-            <a:r>
-              <a:t>Vunna närkamper: </a:t>
-            </a:r>
-            <a:br/>
-            <a:r>
-              <a:t>	12</a:t>
-            </a:r>
-          </a:p>
-          <a:p>
-            <a:pPr>
-              <a:defRPr>
-                <a:solidFill>
-                  <a:srgbClr val="FFFEFE"/>
-                </a:solidFill>
-              </a:defRPr>
-            </a:pPr>
-            <a:r>
-              <a:t>Brytningar: </a:t>
-            </a:r>
-            <a:br/>
-            <a:r>
-              <a:t>	3</a:t>
-            </a:r>
-          </a:p>
-          <a:p>
-            <a:pPr>
-              <a:defRPr>
-                <a:solidFill>
-                  <a:srgbClr val="FFFEFE"/>
-                </a:solidFill>
-              </a:defRPr>
-            </a:pPr>
-            <a:r>
-              <a:t>Bolltapp: </a:t>
-            </a:r>
-            <a:br/>
-            <a:r>
-              <a:t>	1</a:t>
             </a:r>
           </a:p>
         </p:txBody>
       </p:sp>
       <p:pic>
         <p:nvPicPr>
-          <p:cNvPr id="7" name="Picture 6" descr="sirius logo.png"/>
+          <p:cNvPr id="7" name="Picture 6" descr="villa logo.png"/>
           <p:cNvPicPr>
             <a:picLocks noChangeAspect="1"/>
           </p:cNvPicPr>
@@ -3746,7 +3746,7 @@
       </p:pic>
       <p:pic>
         <p:nvPicPr>
-          <p:cNvPr id="8" name="Picture 7" descr="villa logo.png"/>
+          <p:cNvPr id="8" name="Picture 7" descr="sirius logo.png"/>
           <p:cNvPicPr>
             <a:picLocks noChangeAspect="1"/>
           </p:cNvPicPr>
@@ -3822,7 +3822,7 @@
       </p:sp>
       <p:pic>
         <p:nvPicPr>
-          <p:cNvPr id="3" name="Picture 2" descr="sirius logo.png"/>
+          <p:cNvPr id="3" name="Picture 2" descr="villa logo.png"/>
           <p:cNvPicPr>
             <a:picLocks noChangeAspect="1"/>
           </p:cNvPicPr>
@@ -3846,7 +3846,7 @@
       </p:pic>
       <p:pic>
         <p:nvPicPr>
-          <p:cNvPr id="4" name="Picture 3" descr="villa logo.png"/>
+          <p:cNvPr id="4" name="Picture 3" descr="sirius logo.png"/>
           <p:cNvPicPr>
             <a:picLocks noChangeAspect="1"/>
           </p:cNvPicPr>
@@ -3917,7 +3917,7 @@
                         <a:defRPr sz="2500" b="1"/>
                       </a:pPr>
                       <a:r>
-                        <a:t>Efter Sirius</a:t>
+                        <a:t>Efter Villa</a:t>
                       </a:r>
                     </a:p>
                   </a:txBody>
@@ -3932,7 +3932,58 @@
                         <a:defRPr sz="2500" b="1"/>
                       </a:pPr>
                       <a:r>
-                        <a:t>Efter Villa</a:t>
+                        <a:t>Efter Sirius</a:t>
+                      </a:r>
+                    </a:p>
+                  </a:txBody>
+                  <a:tcPr anchor="ctr"/>
+                </a:tc>
+              </a:tr>
+              <a:tr h="1219200">
+                <a:tc>
+                  <a:txBody>
+                    <a:bodyPr/>
+                    <a:lstStyle/>
+                    <a:p>
+                      <a:pPr algn="ctr">
+                        <a:defRPr sz="2500" b="1"/>
+                      </a:pPr>
+                      <a:r>
+                        <a:t>Före Villa</a:t>
+                      </a:r>
+                    </a:p>
+                  </a:txBody>
+                  <a:tcPr anchor="ctr"/>
+                </a:tc>
+                <a:tc>
+                  <a:txBody>
+                    <a:bodyPr/>
+                    <a:lstStyle/>
+                    <a:p>
+                      <a:pPr algn="ctr">
+                        <a:defRPr sz="2500" b="1"/>
+                      </a:pPr>
+                      <a:r>
+                        <a:t>0</a:t>
+                      </a:r>
+                    </a:p>
+                  </a:txBody>
+                  <a:tcPr anchor="ctr">
+                    <a:solidFill>
+                      <a:srgbClr val="009ADE"/>
+                    </a:solidFill>
+                  </a:tcPr>
+                </a:tc>
+                <a:tc>
+                  <a:txBody>
+                    <a:bodyPr/>
+                    <a:lstStyle/>
+                    <a:p>
+                      <a:pPr algn="ctr">
+                        <a:defRPr sz="2500" b="1"/>
+                      </a:pPr>
+                      <a:r>
+                        <a:t>12</a:t>
                       </a:r>
                     </a:p>
                   </a:txBody>
@@ -3964,43 +4015,7 @@
                         <a:defRPr sz="2500" b="1"/>
                       </a:pPr>
                       <a:r>
-                        <a:t>1</a:t>
-                      </a:r>
-                    </a:p>
-                  </a:txBody>
-                  <a:tcPr anchor="ctr">
-                    <a:solidFill>
-                      <a:srgbClr val="009ADE"/>
-                    </a:solidFill>
-                  </a:tcPr>
-                </a:tc>
-                <a:tc>
-                  <a:txBody>
-                    <a:bodyPr/>
-                    <a:lstStyle/>
-                    <a:p>
-                      <a:pPr algn="ctr">
-                        <a:defRPr sz="2500" b="1"/>
-                      </a:pPr>
-                      <a:r>
                         <a:t>15</a:t>
-                      </a:r>
-                    </a:p>
-                  </a:txBody>
-                  <a:tcPr anchor="ctr"/>
-                </a:tc>
-              </a:tr>
-              <a:tr h="1219200">
-                <a:tc>
-                  <a:txBody>
-                    <a:bodyPr/>
-                    <a:lstStyle/>
-                    <a:p>
-                      <a:pPr algn="ctr">
-                        <a:defRPr sz="2500" b="1"/>
-                      </a:pPr>
-                      <a:r>
-                        <a:t>Före Villa</a:t>
                       </a:r>
                     </a:p>
                   </a:txBody>
@@ -4015,22 +4030,7 @@
                         <a:defRPr sz="2500" b="1"/>
                       </a:pPr>
                       <a:r>
-                        <a:t>12</a:t>
-                      </a:r>
-                    </a:p>
-                  </a:txBody>
-                  <a:tcPr anchor="ctr"/>
-                </a:tc>
-                <a:tc>
-                  <a:txBody>
-                    <a:bodyPr/>
-                    <a:lstStyle/>
-                    <a:p>
-                      <a:pPr algn="ctr">
-                        <a:defRPr sz="2500" b="1"/>
-                      </a:pPr>
-                      <a:r>
-                        <a:t>0</a:t>
+                        <a:t>1</a:t>
                       </a:r>
                     </a:p>
                   </a:txBody>
@@ -4115,6 +4115,111 @@
             <a:pPr>
               <a:defRPr>
                 <a:solidFill>
+                  <a:srgbClr val="FFFEFE"/>
+                </a:solidFill>
+              </a:defRPr>
+            </a:pPr>
+            <a:r>
+              <a:t>Villa - skottförsök: 18</a:t>
+            </a:r>
+          </a:p>
+        </p:txBody>
+      </p:sp>
+      <p:sp>
+        <p:nvSpPr>
+          <p:cNvPr id="4" name="Content Placeholder 3"/>
+          <p:cNvSpPr>
+            <a:spLocks noGrp="1"/>
+          </p:cNvSpPr>
+          <p:nvPr>
+            <p:ph idx="2" sz="half"/>
+          </p:nvPr>
+        </p:nvSpPr>
+        <p:spPr/>
+        <p:txBody>
+          <a:bodyPr/>
+          <a:lstStyle/>
+          <a:p/>
+          <a:p>
+            <a:pPr>
+              <a:defRPr>
+                <a:solidFill>
+                  <a:srgbClr val="FFFEFE"/>
+                </a:solidFill>
+              </a:defRPr>
+            </a:pPr>
+            <a:r>
+              <a:t>Centralt: 9</a:t>
+            </a:r>
+          </a:p>
+          <a:p>
+            <a:pPr>
+              <a:defRPr>
+                <a:solidFill>
+                  <a:srgbClr val="FFFEFE"/>
+                </a:solidFill>
+              </a:defRPr>
+            </a:pPr>
+            <a:r>
+              <a:t>Dribbling: 2</a:t>
+            </a:r>
+          </a:p>
+          <a:p>
+            <a:pPr>
+              <a:defRPr>
+                <a:solidFill>
+                  <a:srgbClr val="FFFEFE"/>
+                </a:solidFill>
+              </a:defRPr>
+            </a:pPr>
+            <a:r>
+              <a:t>Friställande: 2</a:t>
+            </a:r>
+          </a:p>
+          <a:p>
+            <a:pPr>
+              <a:defRPr>
+                <a:solidFill>
+                  <a:srgbClr val="FFFEFE"/>
+                </a:solidFill>
+              </a:defRPr>
+            </a:pPr>
+            <a:r>
+              <a:t>Inlägg: 2</a:t>
+            </a:r>
+          </a:p>
+          <a:p>
+            <a:pPr>
+              <a:defRPr>
+                <a:solidFill>
+                  <a:srgbClr val="FFFEFE"/>
+                </a:solidFill>
+              </a:defRPr>
+            </a:pPr>
+            <a:r>
+              <a:t>Utifrån: 3</a:t>
+            </a:r>
+          </a:p>
+        </p:txBody>
+      </p:sp>
+      <p:sp>
+        <p:nvSpPr>
+          <p:cNvPr id="5" name="Text Placeholder 4"/>
+          <p:cNvSpPr>
+            <a:spLocks noGrp="1"/>
+          </p:cNvSpPr>
+          <p:nvPr>
+            <p:ph type="body" idx="3" sz="quarter"/>
+          </p:nvPr>
+        </p:nvSpPr>
+        <p:spPr/>
+        <p:txBody>
+          <a:bodyPr/>
+          <a:lstStyle/>
+          <a:p>
+            <a:pPr>
+              <a:defRPr>
+                <a:solidFill>
                   <a:srgbClr val="000000"/>
                 </a:solidFill>
               </a:defRPr>
@@ -4127,12 +4232,12 @@
       </p:sp>
       <p:sp>
         <p:nvSpPr>
-          <p:cNvPr id="4" name="Content Placeholder 3"/>
-          <p:cNvSpPr>
-            <a:spLocks noGrp="1"/>
-          </p:cNvSpPr>
-          <p:nvPr>
-            <p:ph idx="2" sz="half"/>
+          <p:cNvPr id="6" name="Content Placeholder 5"/>
+          <p:cNvSpPr>
+            <a:spLocks noGrp="1"/>
+          </p:cNvSpPr>
+          <p:nvPr>
+            <p:ph idx="4" sz="quarter"/>
           </p:nvPr>
         </p:nvSpPr>
         <p:spPr/>
@@ -4198,118 +4303,13 @@
             </a:pPr>
             <a:r>
               <a:t>Utifrån: 6</a:t>
-            </a:r>
-          </a:p>
-        </p:txBody>
-      </p:sp>
-      <p:sp>
-        <p:nvSpPr>
-          <p:cNvPr id="5" name="Text Placeholder 4"/>
-          <p:cNvSpPr>
-            <a:spLocks noGrp="1"/>
-          </p:cNvSpPr>
-          <p:nvPr>
-            <p:ph type="body" idx="3" sz="quarter"/>
-          </p:nvPr>
-        </p:nvSpPr>
-        <p:spPr/>
-        <p:txBody>
-          <a:bodyPr/>
-          <a:lstStyle/>
-          <a:p>
-            <a:pPr>
-              <a:defRPr>
-                <a:solidFill>
-                  <a:srgbClr val="FFFEFE"/>
-                </a:solidFill>
-              </a:defRPr>
-            </a:pPr>
-            <a:r>
-              <a:t>Villa - skottförsök: 18</a:t>
-            </a:r>
-          </a:p>
-        </p:txBody>
-      </p:sp>
-      <p:sp>
-        <p:nvSpPr>
-          <p:cNvPr id="6" name="Content Placeholder 5"/>
-          <p:cNvSpPr>
-            <a:spLocks noGrp="1"/>
-          </p:cNvSpPr>
-          <p:nvPr>
-            <p:ph idx="4" sz="quarter"/>
-          </p:nvPr>
-        </p:nvSpPr>
-        <p:spPr/>
-        <p:txBody>
-          <a:bodyPr/>
-          <a:lstStyle/>
-          <a:p/>
-          <a:p>
-            <a:pPr>
-              <a:defRPr>
-                <a:solidFill>
-                  <a:srgbClr val="FFFEFE"/>
-                </a:solidFill>
-              </a:defRPr>
-            </a:pPr>
-            <a:r>
-              <a:t>Centralt: 9</a:t>
-            </a:r>
-          </a:p>
-          <a:p>
-            <a:pPr>
-              <a:defRPr>
-                <a:solidFill>
-                  <a:srgbClr val="FFFEFE"/>
-                </a:solidFill>
-              </a:defRPr>
-            </a:pPr>
-            <a:r>
-              <a:t>Dribbling: 2</a:t>
-            </a:r>
-          </a:p>
-          <a:p>
-            <a:pPr>
-              <a:defRPr>
-                <a:solidFill>
-                  <a:srgbClr val="FFFEFE"/>
-                </a:solidFill>
-              </a:defRPr>
-            </a:pPr>
-            <a:r>
-              <a:t>Friställande: 2</a:t>
-            </a:r>
-          </a:p>
-          <a:p>
-            <a:pPr>
-              <a:defRPr>
-                <a:solidFill>
-                  <a:srgbClr val="FFFEFE"/>
-                </a:solidFill>
-              </a:defRPr>
-            </a:pPr>
-            <a:r>
-              <a:t>Inlägg: 2</a:t>
-            </a:r>
-          </a:p>
-          <a:p>
-            <a:pPr>
-              <a:defRPr>
-                <a:solidFill>
-                  <a:srgbClr val="FFFEFE"/>
-                </a:solidFill>
-              </a:defRPr>
-            </a:pPr>
-            <a:r>
-              <a:t>Utifrån: 3</a:t>
             </a:r>
           </a:p>
         </p:txBody>
       </p:sp>
       <p:pic>
         <p:nvPicPr>
-          <p:cNvPr id="7" name="Picture 6" descr="sirius logo.png"/>
+          <p:cNvPr id="7" name="Picture 6" descr="villa logo.png"/>
           <p:cNvPicPr>
             <a:picLocks noChangeAspect="1"/>
           </p:cNvPicPr>
@@ -4333,7 +4333,7 @@
       </p:pic>
       <p:pic>
         <p:nvPicPr>
-          <p:cNvPr id="8" name="Picture 7" descr="villa logo.png"/>
+          <p:cNvPr id="8" name="Picture 7" descr="sirius logo.png"/>
           <p:cNvPicPr>
             <a:picLocks noChangeAspect="1"/>
           </p:cNvPicPr>
@@ -4425,6 +4425,159 @@
             <a:pPr>
               <a:defRPr>
                 <a:solidFill>
+                  <a:srgbClr val="FFFEFE"/>
+                </a:solidFill>
+              </a:defRPr>
+            </a:pPr>
+            <a:r>
+              <a:t>Villa - skottförsök: 28</a:t>
+            </a:r>
+          </a:p>
+        </p:txBody>
+      </p:sp>
+      <p:sp>
+        <p:nvSpPr>
+          <p:cNvPr id="4" name="Content Placeholder 3"/>
+          <p:cNvSpPr>
+            <a:spLocks noGrp="1"/>
+          </p:cNvSpPr>
+          <p:nvPr>
+            <p:ph idx="2" sz="half"/>
+          </p:nvPr>
+        </p:nvSpPr>
+        <p:spPr/>
+        <p:txBody>
+          <a:bodyPr/>
+          <a:lstStyle/>
+          <a:p/>
+          <a:p>
+            <a:pPr>
+              <a:defRPr>
+                <a:solidFill>
+                  <a:srgbClr val="FFFEFE"/>
+                </a:solidFill>
+              </a:defRPr>
+            </a:pPr>
+            <a:r>
+              <a:t>Boll: 2</a:t>
+            </a:r>
+          </a:p>
+          <a:p>
+            <a:pPr>
+              <a:defRPr>
+                <a:solidFill>
+                  <a:srgbClr val="FFFEFE"/>
+                </a:solidFill>
+              </a:defRPr>
+            </a:pPr>
+            <a:r>
+              <a:t>Bolltapp: 4</a:t>
+            </a:r>
+          </a:p>
+          <a:p>
+            <a:pPr>
+              <a:defRPr>
+                <a:solidFill>
+                  <a:srgbClr val="FFFEFE"/>
+                </a:solidFill>
+              </a:defRPr>
+            </a:pPr>
+            <a:r>
+              <a:t>Brytning: 1</a:t>
+            </a:r>
+          </a:p>
+          <a:p>
+            <a:pPr>
+              <a:defRPr>
+                <a:solidFill>
+                  <a:srgbClr val="FFFEFE"/>
+                </a:solidFill>
+              </a:defRPr>
+            </a:pPr>
+            <a:r>
+              <a:t>Frislag: 0</a:t>
+            </a:r>
+          </a:p>
+          <a:p>
+            <a:pPr>
+              <a:defRPr>
+                <a:solidFill>
+                  <a:srgbClr val="FFFEFE"/>
+                </a:solidFill>
+              </a:defRPr>
+            </a:pPr>
+            <a:r>
+              <a:t>Hörna: 11</a:t>
+            </a:r>
+          </a:p>
+          <a:p>
+            <a:pPr>
+              <a:defRPr>
+                <a:solidFill>
+                  <a:srgbClr val="FFFEFE"/>
+                </a:solidFill>
+              </a:defRPr>
+            </a:pPr>
+            <a:r>
+              <a:t>Inslag: 1</a:t>
+            </a:r>
+          </a:p>
+          <a:p>
+            <a:pPr>
+              <a:defRPr>
+                <a:solidFill>
+                  <a:srgbClr val="FFFEFE"/>
+                </a:solidFill>
+              </a:defRPr>
+            </a:pPr>
+            <a:r>
+              <a:t>Närkamp: 4</a:t>
+            </a:r>
+          </a:p>
+          <a:p>
+            <a:pPr>
+              <a:defRPr>
+                <a:solidFill>
+                  <a:srgbClr val="FFFEFE"/>
+                </a:solidFill>
+              </a:defRPr>
+            </a:pPr>
+            <a:r>
+              <a:t>Offside: 0</a:t>
+            </a:r>
+          </a:p>
+          <a:p>
+            <a:pPr>
+              <a:defRPr>
+                <a:solidFill>
+                  <a:srgbClr val="FFFEFE"/>
+                </a:solidFill>
+              </a:defRPr>
+            </a:pPr>
+            <a:r>
+              <a:t>Utkast: 5</a:t>
+            </a:r>
+          </a:p>
+        </p:txBody>
+      </p:sp>
+      <p:sp>
+        <p:nvSpPr>
+          <p:cNvPr id="5" name="Text Placeholder 4"/>
+          <p:cNvSpPr>
+            <a:spLocks noGrp="1"/>
+          </p:cNvSpPr>
+          <p:nvPr>
+            <p:ph type="body" idx="3" sz="quarter"/>
+          </p:nvPr>
+        </p:nvSpPr>
+        <p:spPr/>
+        <p:txBody>
+          <a:bodyPr/>
+          <a:lstStyle/>
+          <a:p>
+            <a:pPr>
+              <a:defRPr>
+                <a:solidFill>
                   <a:srgbClr val="000000"/>
                 </a:solidFill>
               </a:defRPr>
@@ -4437,12 +4590,12 @@
       </p:sp>
       <p:sp>
         <p:nvSpPr>
-          <p:cNvPr id="4" name="Content Placeholder 3"/>
-          <p:cNvSpPr>
-            <a:spLocks noGrp="1"/>
-          </p:cNvSpPr>
-          <p:nvPr>
-            <p:ph idx="2" sz="half"/>
+          <p:cNvPr id="6" name="Content Placeholder 5"/>
+          <p:cNvSpPr>
+            <a:spLocks noGrp="1"/>
+          </p:cNvSpPr>
+          <p:nvPr>
+            <p:ph idx="4" sz="quarter"/>
           </p:nvPr>
         </p:nvSpPr>
         <p:spPr/>
@@ -4556,166 +4709,13 @@
             </a:pPr>
             <a:r>
               <a:t>Utkast: 4</a:t>
-            </a:r>
-          </a:p>
-        </p:txBody>
-      </p:sp>
-      <p:sp>
-        <p:nvSpPr>
-          <p:cNvPr id="5" name="Text Placeholder 4"/>
-          <p:cNvSpPr>
-            <a:spLocks noGrp="1"/>
-          </p:cNvSpPr>
-          <p:nvPr>
-            <p:ph type="body" idx="3" sz="quarter"/>
-          </p:nvPr>
-        </p:nvSpPr>
-        <p:spPr/>
-        <p:txBody>
-          <a:bodyPr/>
-          <a:lstStyle/>
-          <a:p>
-            <a:pPr>
-              <a:defRPr>
-                <a:solidFill>
-                  <a:srgbClr val="FFFEFE"/>
-                </a:solidFill>
-              </a:defRPr>
-            </a:pPr>
-            <a:r>
-              <a:t>Villa - skottförsök: 28</a:t>
-            </a:r>
-          </a:p>
-        </p:txBody>
-      </p:sp>
-      <p:sp>
-        <p:nvSpPr>
-          <p:cNvPr id="6" name="Content Placeholder 5"/>
-          <p:cNvSpPr>
-            <a:spLocks noGrp="1"/>
-          </p:cNvSpPr>
-          <p:nvPr>
-            <p:ph idx="4" sz="quarter"/>
-          </p:nvPr>
-        </p:nvSpPr>
-        <p:spPr/>
-        <p:txBody>
-          <a:bodyPr/>
-          <a:lstStyle/>
-          <a:p/>
-          <a:p>
-            <a:pPr>
-              <a:defRPr>
-                <a:solidFill>
-                  <a:srgbClr val="FFFEFE"/>
-                </a:solidFill>
-              </a:defRPr>
-            </a:pPr>
-            <a:r>
-              <a:t>Boll: 2</a:t>
-            </a:r>
-          </a:p>
-          <a:p>
-            <a:pPr>
-              <a:defRPr>
-                <a:solidFill>
-                  <a:srgbClr val="FFFEFE"/>
-                </a:solidFill>
-              </a:defRPr>
-            </a:pPr>
-            <a:r>
-              <a:t>Bolltapp: 4</a:t>
-            </a:r>
-          </a:p>
-          <a:p>
-            <a:pPr>
-              <a:defRPr>
-                <a:solidFill>
-                  <a:srgbClr val="FFFEFE"/>
-                </a:solidFill>
-              </a:defRPr>
-            </a:pPr>
-            <a:r>
-              <a:t>Brytning: 1</a:t>
-            </a:r>
-          </a:p>
-          <a:p>
-            <a:pPr>
-              <a:defRPr>
-                <a:solidFill>
-                  <a:srgbClr val="FFFEFE"/>
-                </a:solidFill>
-              </a:defRPr>
-            </a:pPr>
-            <a:r>
-              <a:t>Frislag: 0</a:t>
-            </a:r>
-          </a:p>
-          <a:p>
-            <a:pPr>
-              <a:defRPr>
-                <a:solidFill>
-                  <a:srgbClr val="FFFEFE"/>
-                </a:solidFill>
-              </a:defRPr>
-            </a:pPr>
-            <a:r>
-              <a:t>Hörna: 11</a:t>
-            </a:r>
-          </a:p>
-          <a:p>
-            <a:pPr>
-              <a:defRPr>
-                <a:solidFill>
-                  <a:srgbClr val="FFFEFE"/>
-                </a:solidFill>
-              </a:defRPr>
-            </a:pPr>
-            <a:r>
-              <a:t>Inslag: 1</a:t>
-            </a:r>
-          </a:p>
-          <a:p>
-            <a:pPr>
-              <a:defRPr>
-                <a:solidFill>
-                  <a:srgbClr val="FFFEFE"/>
-                </a:solidFill>
-              </a:defRPr>
-            </a:pPr>
-            <a:r>
-              <a:t>Närkamp: 4</a:t>
-            </a:r>
-          </a:p>
-          <a:p>
-            <a:pPr>
-              <a:defRPr>
-                <a:solidFill>
-                  <a:srgbClr val="FFFEFE"/>
-                </a:solidFill>
-              </a:defRPr>
-            </a:pPr>
-            <a:r>
-              <a:t>Offside: 0</a:t>
-            </a:r>
-          </a:p>
-          <a:p>
-            <a:pPr>
-              <a:defRPr>
-                <a:solidFill>
-                  <a:srgbClr val="FFFEFE"/>
-                </a:solidFill>
-              </a:defRPr>
-            </a:pPr>
-            <a:r>
-              <a:t>Utkast: 5</a:t>
             </a:r>
           </a:p>
         </p:txBody>
       </p:sp>
       <p:pic>
         <p:nvPicPr>
-          <p:cNvPr id="7" name="Picture 6" descr="sirius logo.png"/>
+          <p:cNvPr id="7" name="Picture 6" descr="villa logo.png"/>
           <p:cNvPicPr>
             <a:picLocks noChangeAspect="1"/>
           </p:cNvPicPr>
@@ -4739,7 +4739,7 @@
       </p:pic>
       <p:pic>
         <p:nvPicPr>
-          <p:cNvPr id="8" name="Picture 7" descr="villa logo.png"/>
+          <p:cNvPr id="8" name="Picture 7" descr="sirius logo.png"/>
           <p:cNvPicPr>
             <a:picLocks noChangeAspect="1"/>
           </p:cNvPicPr>
@@ -4935,7 +4935,7 @@
       </p:sp>
       <p:pic>
         <p:nvPicPr>
-          <p:cNvPr id="4" name="Picture 3" descr="sirius logo.png"/>
+          <p:cNvPr id="4" name="Picture 3" descr="villa logo.png"/>
           <p:cNvPicPr>
             <a:picLocks noChangeAspect="1"/>
           </p:cNvPicPr>
@@ -4959,7 +4959,7 @@
       </p:pic>
       <p:pic>
         <p:nvPicPr>
-          <p:cNvPr id="5" name="Picture 4" descr="villa logo.png"/>
+          <p:cNvPr id="5" name="Picture 4" descr="sirius logo.png"/>
           <p:cNvPicPr>
             <a:picLocks noChangeAspect="1"/>
           </p:cNvPicPr>

--- a/powerpointer/matchrapporter/20220930 IK Sirius - Villa Lidköping halvlek 1 clean och 20220930 IK Sirius - Villa Lidköping halvlek 2 .pptx
+++ b/powerpointer/matchrapporter/20220930 IK Sirius - Villa Lidköping halvlek 1 clean och 20220930 IK Sirius - Villa Lidköping halvlek 2 .pptx
@@ -3087,14 +3087,6 @@
 <file path=ppt/slides/slide1.xml><?xml version="1.0" encoding="utf-8"?>
 <p:sld xmlns:a="http://schemas.openxmlformats.org/drawingml/2006/main" xmlns:p="http://schemas.openxmlformats.org/presentationml/2006/main" xmlns:r="http://schemas.openxmlformats.org/officeDocument/2006/relationships">
   <p:cSld>
-    <p:bg>
-      <p:bgPr>
-        <a:solidFill>
-          <a:srgbClr val="BEBEBE"/>
-        </a:solidFill>
-        <a:effectLst/>
-      </p:bgPr>
-    </p:bg>
     <p:spTree>
       <p:nvGrpSpPr>
         <p:cNvPr id="1" name=""/>
@@ -3102,65 +3094,9 @@
         <p:nvPr/>
       </p:nvGrpSpPr>
       <p:grpSpPr/>
-      <p:sp>
-        <p:nvSpPr>
-          <p:cNvPr id="2" name="Title 1"/>
-          <p:cNvSpPr>
-            <a:spLocks noGrp="1"/>
-          </p:cNvSpPr>
-          <p:nvPr>
-            <p:ph type="ctrTitle"/>
-          </p:nvPr>
-        </p:nvSpPr>
-        <p:spPr/>
-        <p:txBody>
-          <a:bodyPr/>
-          <a:lstStyle/>
-          <a:p>
-            <a:pPr>
-              <a:defRPr>
-                <a:solidFill>
-                  <a:srgbClr val="000000"/>
-                </a:solidFill>
-              </a:defRPr>
-            </a:pPr>
-            <a:r>
-              <a:t>Villa Lidköping BK - IK Sirius</a:t>
-            </a:r>
-          </a:p>
-        </p:txBody>
-      </p:sp>
-      <p:sp>
-        <p:nvSpPr>
-          <p:cNvPr id="3" name="Subtitle 2"/>
-          <p:cNvSpPr>
-            <a:spLocks noGrp="1"/>
-          </p:cNvSpPr>
-          <p:nvPr>
-            <p:ph type="subTitle" idx="1"/>
-          </p:nvPr>
-        </p:nvSpPr>
-        <p:spPr/>
-        <p:txBody>
-          <a:bodyPr/>
-          <a:lstStyle/>
-          <a:p>
-            <a:pPr>
-              <a:defRPr>
-                <a:solidFill>
-                  <a:srgbClr val="FAE20C"/>
-                </a:solidFill>
-              </a:defRPr>
-            </a:pPr>
-            <a:r>
-              <a:t>7 - 2</a:t>
-            </a:r>
-          </a:p>
-        </p:txBody>
-      </p:sp>
       <p:pic>
         <p:nvPicPr>
-          <p:cNvPr id="4" name="Picture 3" descr="villa logo.png"/>
+          <p:cNvPr id="4" name="Picture 3" descr="background.png"/>
           <p:cNvPicPr>
             <a:picLocks noChangeAspect="1"/>
           </p:cNvPicPr>
@@ -3168,6 +3104,86 @@
         </p:nvPicPr>
         <p:blipFill>
           <a:blip r:embed="rId2"/>
+          <a:stretch>
+            <a:fillRect/>
+          </a:stretch>
+        </p:blipFill>
+        <p:spPr>
+          <a:xfrm>
+            <a:off x="0" y="0"/>
+            <a:ext cx="9144000" cy="6858000"/>
+          </a:xfrm>
+          <a:prstGeom prst="rect">
+            <a:avLst/>
+          </a:prstGeom>
+        </p:spPr>
+      </p:pic>
+      <p:sp>
+        <p:nvSpPr>
+          <p:cNvPr id="2" name="Title 1"/>
+          <p:cNvSpPr>
+            <a:spLocks noGrp="1"/>
+          </p:cNvSpPr>
+          <p:nvPr>
+            <p:ph type="ctrTitle"/>
+          </p:nvPr>
+        </p:nvSpPr>
+        <p:spPr/>
+        <p:txBody>
+          <a:bodyPr/>
+          <a:lstStyle/>
+          <a:p>
+            <a:pPr>
+              <a:defRPr>
+                <a:solidFill>
+                  <a:srgbClr val="000000"/>
+                </a:solidFill>
+              </a:defRPr>
+            </a:pPr>
+            <a:r>
+              <a:t>Villa Lidköping BK - IK Sirius</a:t>
+            </a:r>
+          </a:p>
+        </p:txBody>
+      </p:sp>
+      <p:sp>
+        <p:nvSpPr>
+          <p:cNvPr id="3" name="Subtitle 2"/>
+          <p:cNvSpPr>
+            <a:spLocks noGrp="1"/>
+          </p:cNvSpPr>
+          <p:nvPr>
+            <p:ph type="subTitle" idx="1"/>
+          </p:nvPr>
+        </p:nvSpPr>
+        <p:spPr/>
+        <p:txBody>
+          <a:bodyPr/>
+          <a:lstStyle/>
+          <a:p>
+            <a:pPr>
+              <a:defRPr>
+                <a:solidFill>
+                  <a:srgbClr val="FAE20C"/>
+                </a:solidFill>
+              </a:defRPr>
+            </a:pPr>
+            <a:r>
+              <a:t>7 - 2</a:t>
+            </a:r>
+          </a:p>
+        </p:txBody>
+      </p:sp>
+      <p:pic>
+        <p:nvPicPr>
+          <p:cNvPr id="5" name="Picture 4" descr="villa logo.png"/>
+          <p:cNvPicPr>
+            <a:picLocks noChangeAspect="1"/>
+          </p:cNvPicPr>
+          <p:nvPr/>
+        </p:nvPicPr>
+        <p:blipFill>
+          <a:blip r:embed="rId3"/>
           <a:stretch>
             <a:fillRect/>
           </a:stretch>
@@ -3184,14 +3200,14 @@
       </p:pic>
       <p:pic>
         <p:nvPicPr>
-          <p:cNvPr id="5" name="Picture 4" descr="sirius logo.png"/>
+          <p:cNvPr id="6" name="Picture 5" descr="sirius logo.png"/>
           <p:cNvPicPr>
             <a:picLocks noChangeAspect="1"/>
           </p:cNvPicPr>
           <p:nvPr/>
         </p:nvPicPr>
         <p:blipFill>
-          <a:blip r:embed="rId3"/>
+          <a:blip r:embed="rId4"/>
           <a:stretch>
             <a:fillRect/>
           </a:stretch>
@@ -3217,14 +3233,6 @@
 <file path=ppt/slides/slide2.xml><?xml version="1.0" encoding="utf-8"?>
 <p:sld xmlns:a="http://schemas.openxmlformats.org/drawingml/2006/main" xmlns:p="http://schemas.openxmlformats.org/presentationml/2006/main" xmlns:r="http://schemas.openxmlformats.org/officeDocument/2006/relationships">
   <p:cSld>
-    <p:bg>
-      <p:bgPr>
-        <a:solidFill>
-          <a:srgbClr val="BEBEBE"/>
-        </a:solidFill>
-        <a:effectLst/>
-      </p:bgPr>
-    </p:bg>
     <p:spTree>
       <p:nvGrpSpPr>
         <p:cNvPr id="1" name=""/>
@@ -3232,216 +3240,9 @@
         <p:nvPr/>
       </p:nvGrpSpPr>
       <p:grpSpPr/>
-      <p:sp>
-        <p:nvSpPr>
-          <p:cNvPr id="2" name="Title 1"/>
-          <p:cNvSpPr>
-            <a:spLocks noGrp="1"/>
-          </p:cNvSpPr>
-          <p:nvPr>
-            <p:ph type="title"/>
-          </p:nvPr>
-        </p:nvSpPr>
-        <p:spPr/>
-        <p:txBody>
-          <a:bodyPr/>
-          <a:lstStyle/>
-          <a:p>
-            <a:r>
-              <a:t>Matchstatistik</a:t>
-            </a:r>
-          </a:p>
-        </p:txBody>
-      </p:sp>
-      <p:sp>
-        <p:nvSpPr>
-          <p:cNvPr id="3" name="Text Placeholder 2"/>
-          <p:cNvSpPr>
-            <a:spLocks noGrp="1"/>
-          </p:cNvSpPr>
-          <p:nvPr>
-            <p:ph type="body" idx="1"/>
-          </p:nvPr>
-        </p:nvSpPr>
-        <p:spPr/>
-        <p:txBody>
-          <a:bodyPr/>
-          <a:lstStyle/>
-          <a:p>
-            <a:pPr>
-              <a:defRPr>
-                <a:solidFill>
-                  <a:srgbClr val="FFFEFE"/>
-                </a:solidFill>
-              </a:defRPr>
-            </a:pPr>
-            <a:r>
-              <a:t>Villa</a:t>
-            </a:r>
-          </a:p>
-        </p:txBody>
-      </p:sp>
-      <p:sp>
-        <p:nvSpPr>
-          <p:cNvPr id="4" name="Content Placeholder 3"/>
-          <p:cNvSpPr>
-            <a:spLocks noGrp="1"/>
-          </p:cNvSpPr>
-          <p:nvPr>
-            <p:ph idx="2" sz="half"/>
-          </p:nvPr>
-        </p:nvSpPr>
-        <p:spPr/>
-        <p:txBody>
-          <a:bodyPr/>
-          <a:lstStyle/>
-          <a:p/>
-          <a:p>
-            <a:pPr>
-              <a:defRPr>
-                <a:solidFill>
-                  <a:srgbClr val="FFFEFE"/>
-                </a:solidFill>
-              </a:defRPr>
-            </a:pPr>
-            <a:r>
-              <a:t>Resultat: </a:t>
-            </a:r>
-            <a:br/>
-            <a:r>
-              <a:t>	7</a:t>
-            </a:r>
-          </a:p>
-          <a:p>
-            <a:pPr>
-              <a:defRPr>
-                <a:solidFill>
-                  <a:srgbClr val="FFFEFE"/>
-                </a:solidFill>
-              </a:defRPr>
-            </a:pPr>
-            <a:r>
-              <a:t>Skott på mål: </a:t>
-            </a:r>
-            <a:br/>
-            <a:r>
-              <a:t>	15</a:t>
-            </a:r>
-          </a:p>
-          <a:p>
-            <a:pPr>
-              <a:defRPr>
-                <a:solidFill>
-                  <a:srgbClr val="FFFEFE"/>
-                </a:solidFill>
-              </a:defRPr>
-            </a:pPr>
-            <a:r>
-              <a:t>Bollinnehav: </a:t>
-            </a:r>
-            <a:br/>
-            <a:r>
-              <a:t>	0:22:42</a:t>
-            </a:r>
-          </a:p>
-        </p:txBody>
-      </p:sp>
-      <p:sp>
-        <p:nvSpPr>
-          <p:cNvPr id="5" name="Text Placeholder 4"/>
-          <p:cNvSpPr>
-            <a:spLocks noGrp="1"/>
-          </p:cNvSpPr>
-          <p:nvPr>
-            <p:ph type="body" idx="3" sz="quarter"/>
-          </p:nvPr>
-        </p:nvSpPr>
-        <p:spPr/>
-        <p:txBody>
-          <a:bodyPr/>
-          <a:lstStyle/>
-          <a:p>
-            <a:pPr>
-              <a:defRPr>
-                <a:solidFill>
-                  <a:srgbClr val="000000"/>
-                </a:solidFill>
-              </a:defRPr>
-            </a:pPr>
-            <a:r>
-              <a:t>Sirius</a:t>
-            </a:r>
-          </a:p>
-        </p:txBody>
-      </p:sp>
-      <p:sp>
-        <p:nvSpPr>
-          <p:cNvPr id="6" name="Content Placeholder 5"/>
-          <p:cNvSpPr>
-            <a:spLocks noGrp="1"/>
-          </p:cNvSpPr>
-          <p:nvPr>
-            <p:ph idx="4" sz="quarter"/>
-          </p:nvPr>
-        </p:nvSpPr>
-        <p:spPr/>
-        <p:txBody>
-          <a:bodyPr/>
-          <a:lstStyle/>
-          <a:p/>
-          <a:p>
-            <a:pPr>
-              <a:defRPr>
-                <a:solidFill>
-                  <a:srgbClr val="000000"/>
-                </a:solidFill>
-              </a:defRPr>
-            </a:pPr>
-            <a:r>
-              <a:t>Resultat: </a:t>
-            </a:r>
-            <a:br/>
-            <a:r>
-              <a:t>	2</a:t>
-            </a:r>
-          </a:p>
-          <a:p>
-            <a:pPr>
-              <a:defRPr>
-                <a:solidFill>
-                  <a:srgbClr val="000000"/>
-                </a:solidFill>
-              </a:defRPr>
-            </a:pPr>
-            <a:r>
-              <a:t>Skott på mål: </a:t>
-            </a:r>
-            <a:br/>
-            <a:r>
-              <a:t>	4</a:t>
-            </a:r>
-          </a:p>
-          <a:p>
-            <a:pPr>
-              <a:defRPr>
-                <a:solidFill>
-                  <a:srgbClr val="000000"/>
-                </a:solidFill>
-              </a:defRPr>
-            </a:pPr>
-            <a:r>
-              <a:t>Bollinnehav: </a:t>
-            </a:r>
-            <a:br/>
-            <a:r>
-              <a:t>	0:26:20</a:t>
-            </a:r>
-          </a:p>
-        </p:txBody>
-      </p:sp>
       <p:pic>
         <p:nvPicPr>
-          <p:cNvPr id="7" name="Picture 6" descr="villa logo.png"/>
+          <p:cNvPr id="7" name="Picture 6" descr="background.png"/>
           <p:cNvPicPr>
             <a:picLocks noChangeAspect="1"/>
           </p:cNvPicPr>
@@ -3449,6 +3250,237 @@
         </p:nvPicPr>
         <p:blipFill>
           <a:blip r:embed="rId2"/>
+          <a:stretch>
+            <a:fillRect/>
+          </a:stretch>
+        </p:blipFill>
+        <p:spPr>
+          <a:xfrm>
+            <a:off x="0" y="0"/>
+            <a:ext cx="9144000" cy="6858000"/>
+          </a:xfrm>
+          <a:prstGeom prst="rect">
+            <a:avLst/>
+          </a:prstGeom>
+        </p:spPr>
+      </p:pic>
+      <p:sp>
+        <p:nvSpPr>
+          <p:cNvPr id="2" name="Title 1"/>
+          <p:cNvSpPr>
+            <a:spLocks noGrp="1"/>
+          </p:cNvSpPr>
+          <p:nvPr>
+            <p:ph type="title"/>
+          </p:nvPr>
+        </p:nvSpPr>
+        <p:spPr/>
+        <p:txBody>
+          <a:bodyPr/>
+          <a:lstStyle/>
+          <a:p>
+            <a:r>
+              <a:t>Matchstatistik</a:t>
+            </a:r>
+          </a:p>
+        </p:txBody>
+      </p:sp>
+      <p:sp>
+        <p:nvSpPr>
+          <p:cNvPr id="3" name="Text Placeholder 2"/>
+          <p:cNvSpPr>
+            <a:spLocks noGrp="1"/>
+          </p:cNvSpPr>
+          <p:nvPr>
+            <p:ph type="body" idx="1"/>
+          </p:nvPr>
+        </p:nvSpPr>
+        <p:spPr/>
+        <p:txBody>
+          <a:bodyPr/>
+          <a:lstStyle/>
+          <a:p>
+            <a:pPr>
+              <a:defRPr>
+                <a:solidFill>
+                  <a:srgbClr val="FFFEFE"/>
+                </a:solidFill>
+              </a:defRPr>
+            </a:pPr>
+            <a:r>
+              <a:t>Villa Lidköping</a:t>
+            </a:r>
+          </a:p>
+        </p:txBody>
+      </p:sp>
+      <p:sp>
+        <p:nvSpPr>
+          <p:cNvPr id="4" name="Content Placeholder 3"/>
+          <p:cNvSpPr>
+            <a:spLocks noGrp="1"/>
+          </p:cNvSpPr>
+          <p:nvPr>
+            <p:ph idx="2" sz="half"/>
+          </p:nvPr>
+        </p:nvSpPr>
+        <p:spPr/>
+        <p:txBody>
+          <a:bodyPr/>
+          <a:lstStyle/>
+          <a:p/>
+          <a:p>
+            <a:pPr>
+              <a:defRPr>
+                <a:solidFill>
+                  <a:srgbClr val="FFFEFE"/>
+                </a:solidFill>
+              </a:defRPr>
+            </a:pPr>
+            <a:r>
+              <a:t>Resultat: </a:t>
+            </a:r>
+            <a:br/>
+            <a:r>
+              <a:t>	7</a:t>
+            </a:r>
+          </a:p>
+          <a:p>
+            <a:pPr>
+              <a:defRPr>
+                <a:solidFill>
+                  <a:srgbClr val="FFFEFE"/>
+                </a:solidFill>
+              </a:defRPr>
+            </a:pPr>
+            <a:r>
+              <a:t>Skott på mål: </a:t>
+            </a:r>
+            <a:br/>
+            <a:r>
+              <a:t>	15</a:t>
+            </a:r>
+          </a:p>
+          <a:p>
+            <a:pPr>
+              <a:defRPr>
+                <a:solidFill>
+                  <a:srgbClr val="FFFEFE"/>
+                </a:solidFill>
+              </a:defRPr>
+            </a:pPr>
+            <a:r>
+              <a:t>Bollinnehav: </a:t>
+            </a:r>
+            <a:br/>
+            <a:r>
+              <a:t>	0:22:42</a:t>
+            </a:r>
+          </a:p>
+        </p:txBody>
+      </p:sp>
+      <p:sp>
+        <p:nvSpPr>
+          <p:cNvPr id="5" name="Text Placeholder 4"/>
+          <p:cNvSpPr>
+            <a:spLocks noGrp="1"/>
+          </p:cNvSpPr>
+          <p:nvPr>
+            <p:ph type="body" idx="3" sz="quarter"/>
+          </p:nvPr>
+        </p:nvSpPr>
+        <p:spPr/>
+        <p:txBody>
+          <a:bodyPr/>
+          <a:lstStyle/>
+          <a:p>
+            <a:pPr>
+              <a:defRPr>
+                <a:solidFill>
+                  <a:srgbClr val="000000"/>
+                </a:solidFill>
+              </a:defRPr>
+            </a:pPr>
+            <a:r>
+              <a:t>Sirius</a:t>
+            </a:r>
+          </a:p>
+        </p:txBody>
+      </p:sp>
+      <p:sp>
+        <p:nvSpPr>
+          <p:cNvPr id="6" name="Content Placeholder 5"/>
+          <p:cNvSpPr>
+            <a:spLocks noGrp="1"/>
+          </p:cNvSpPr>
+          <p:nvPr>
+            <p:ph idx="4" sz="quarter"/>
+          </p:nvPr>
+        </p:nvSpPr>
+        <p:spPr/>
+        <p:txBody>
+          <a:bodyPr/>
+          <a:lstStyle/>
+          <a:p/>
+          <a:p>
+            <a:pPr>
+              <a:defRPr>
+                <a:solidFill>
+                  <a:srgbClr val="000000"/>
+                </a:solidFill>
+              </a:defRPr>
+            </a:pPr>
+            <a:r>
+              <a:t>Resultat: </a:t>
+            </a:r>
+            <a:br/>
+            <a:r>
+              <a:t>	2</a:t>
+            </a:r>
+          </a:p>
+          <a:p>
+            <a:pPr>
+              <a:defRPr>
+                <a:solidFill>
+                  <a:srgbClr val="000000"/>
+                </a:solidFill>
+              </a:defRPr>
+            </a:pPr>
+            <a:r>
+              <a:t>Skott på mål: </a:t>
+            </a:r>
+            <a:br/>
+            <a:r>
+              <a:t>	4</a:t>
+            </a:r>
+          </a:p>
+          <a:p>
+            <a:pPr>
+              <a:defRPr>
+                <a:solidFill>
+                  <a:srgbClr val="000000"/>
+                </a:solidFill>
+              </a:defRPr>
+            </a:pPr>
+            <a:r>
+              <a:t>Bollinnehav: </a:t>
+            </a:r>
+            <a:br/>
+            <a:r>
+              <a:t>	0:26:20</a:t>
+            </a:r>
+          </a:p>
+        </p:txBody>
+      </p:sp>
+      <p:pic>
+        <p:nvPicPr>
+          <p:cNvPr id="8" name="Picture 7" descr="villa logo.png"/>
+          <p:cNvPicPr>
+            <a:picLocks noChangeAspect="1"/>
+          </p:cNvPicPr>
+          <p:nvPr/>
+        </p:nvPicPr>
+        <p:blipFill>
+          <a:blip r:embed="rId3"/>
           <a:stretch>
             <a:fillRect/>
           </a:stretch>
@@ -3465,14 +3497,14 @@
       </p:pic>
       <p:pic>
         <p:nvPicPr>
-          <p:cNvPr id="8" name="Picture 7" descr="sirius logo.png"/>
+          <p:cNvPr id="9" name="Picture 8" descr="sirius logo.png"/>
           <p:cNvPicPr>
             <a:picLocks noChangeAspect="1"/>
           </p:cNvPicPr>
           <p:nvPr/>
         </p:nvPicPr>
         <p:blipFill>
-          <a:blip r:embed="rId3"/>
+          <a:blip r:embed="rId4"/>
           <a:stretch>
             <a:fillRect/>
           </a:stretch>
@@ -3498,14 +3530,6 @@
 <file path=ppt/slides/slide3.xml><?xml version="1.0" encoding="utf-8"?>
 <p:sld xmlns:a="http://schemas.openxmlformats.org/drawingml/2006/main" xmlns:p="http://schemas.openxmlformats.org/presentationml/2006/main" xmlns:r="http://schemas.openxmlformats.org/officeDocument/2006/relationships">
   <p:cSld>
-    <p:bg>
-      <p:bgPr>
-        <a:solidFill>
-          <a:srgbClr val="BEBEBE"/>
-        </a:solidFill>
-        <a:effectLst/>
-      </p:bgPr>
-    </p:bg>
     <p:spTree>
       <p:nvGrpSpPr>
         <p:cNvPr id="1" name=""/>
@@ -3513,216 +3537,9 @@
         <p:nvPr/>
       </p:nvGrpSpPr>
       <p:grpSpPr/>
-      <p:sp>
-        <p:nvSpPr>
-          <p:cNvPr id="2" name="Title 1"/>
-          <p:cNvSpPr>
-            <a:spLocks noGrp="1"/>
-          </p:cNvSpPr>
-          <p:nvPr>
-            <p:ph type="title"/>
-          </p:nvPr>
-        </p:nvSpPr>
-        <p:spPr/>
-        <p:txBody>
-          <a:bodyPr/>
-          <a:lstStyle/>
-          <a:p>
-            <a:r>
-              <a:t>Bollvinster</a:t>
-            </a:r>
-          </a:p>
-        </p:txBody>
-      </p:sp>
-      <p:sp>
-        <p:nvSpPr>
-          <p:cNvPr id="3" name="Text Placeholder 2"/>
-          <p:cNvSpPr>
-            <a:spLocks noGrp="1"/>
-          </p:cNvSpPr>
-          <p:nvPr>
-            <p:ph type="body" idx="1"/>
-          </p:nvPr>
-        </p:nvSpPr>
-        <p:spPr/>
-        <p:txBody>
-          <a:bodyPr/>
-          <a:lstStyle/>
-          <a:p>
-            <a:pPr>
-              <a:defRPr>
-                <a:solidFill>
-                  <a:srgbClr val="FFFEFE"/>
-                </a:solidFill>
-              </a:defRPr>
-            </a:pPr>
-            <a:r>
-              <a:t>Villa</a:t>
-            </a:r>
-          </a:p>
-        </p:txBody>
-      </p:sp>
-      <p:sp>
-        <p:nvSpPr>
-          <p:cNvPr id="4" name="Content Placeholder 3"/>
-          <p:cNvSpPr>
-            <a:spLocks noGrp="1"/>
-          </p:cNvSpPr>
-          <p:nvPr>
-            <p:ph idx="2" sz="half"/>
-          </p:nvPr>
-        </p:nvSpPr>
-        <p:spPr/>
-        <p:txBody>
-          <a:bodyPr/>
-          <a:lstStyle/>
-          <a:p/>
-          <a:p>
-            <a:pPr>
-              <a:defRPr>
-                <a:solidFill>
-                  <a:srgbClr val="FFFEFE"/>
-                </a:solidFill>
-              </a:defRPr>
-            </a:pPr>
-            <a:r>
-              <a:t>Vunna närkamper: </a:t>
-            </a:r>
-            <a:br/>
-            <a:r>
-              <a:t>	12</a:t>
-            </a:r>
-          </a:p>
-          <a:p>
-            <a:pPr>
-              <a:defRPr>
-                <a:solidFill>
-                  <a:srgbClr val="FFFEFE"/>
-                </a:solidFill>
-              </a:defRPr>
-            </a:pPr>
-            <a:r>
-              <a:t>Brytningar: </a:t>
-            </a:r>
-            <a:br/>
-            <a:r>
-              <a:t>	3</a:t>
-            </a:r>
-          </a:p>
-          <a:p>
-            <a:pPr>
-              <a:defRPr>
-                <a:solidFill>
-                  <a:srgbClr val="FFFEFE"/>
-                </a:solidFill>
-              </a:defRPr>
-            </a:pPr>
-            <a:r>
-              <a:t>Bolltapp: </a:t>
-            </a:r>
-            <a:br/>
-            <a:r>
-              <a:t>	1</a:t>
-            </a:r>
-          </a:p>
-        </p:txBody>
-      </p:sp>
-      <p:sp>
-        <p:nvSpPr>
-          <p:cNvPr id="5" name="Text Placeholder 4"/>
-          <p:cNvSpPr>
-            <a:spLocks noGrp="1"/>
-          </p:cNvSpPr>
-          <p:nvPr>
-            <p:ph type="body" idx="3" sz="quarter"/>
-          </p:nvPr>
-        </p:nvSpPr>
-        <p:spPr/>
-        <p:txBody>
-          <a:bodyPr/>
-          <a:lstStyle/>
-          <a:p>
-            <a:pPr>
-              <a:defRPr>
-                <a:solidFill>
-                  <a:srgbClr val="000000"/>
-                </a:solidFill>
-              </a:defRPr>
-            </a:pPr>
-            <a:r>
-              <a:t>Sirius</a:t>
-            </a:r>
-          </a:p>
-        </p:txBody>
-      </p:sp>
-      <p:sp>
-        <p:nvSpPr>
-          <p:cNvPr id="6" name="Content Placeholder 5"/>
-          <p:cNvSpPr>
-            <a:spLocks noGrp="1"/>
-          </p:cNvSpPr>
-          <p:nvPr>
-            <p:ph idx="4" sz="quarter"/>
-          </p:nvPr>
-        </p:nvSpPr>
-        <p:spPr/>
-        <p:txBody>
-          <a:bodyPr/>
-          <a:lstStyle/>
-          <a:p/>
-          <a:p>
-            <a:pPr>
-              <a:defRPr>
-                <a:solidFill>
-                  <a:srgbClr val="000000"/>
-                </a:solidFill>
-              </a:defRPr>
-            </a:pPr>
-            <a:r>
-              <a:t>Vunna närkamper: </a:t>
-            </a:r>
-            <a:br/>
-            <a:r>
-              <a:t>	11</a:t>
-            </a:r>
-          </a:p>
-          <a:p>
-            <a:pPr>
-              <a:defRPr>
-                <a:solidFill>
-                  <a:srgbClr val="000000"/>
-                </a:solidFill>
-              </a:defRPr>
-            </a:pPr>
-            <a:r>
-              <a:t>Brytningar: </a:t>
-            </a:r>
-            <a:br/>
-            <a:r>
-              <a:t>	2</a:t>
-            </a:r>
-          </a:p>
-          <a:p>
-            <a:pPr>
-              <a:defRPr>
-                <a:solidFill>
-                  <a:srgbClr val="000000"/>
-                </a:solidFill>
-              </a:defRPr>
-            </a:pPr>
-            <a:r>
-              <a:t>Bolltapp: </a:t>
-            </a:r>
-            <a:br/>
-            <a:r>
-              <a:t>	10</a:t>
-            </a:r>
-          </a:p>
-        </p:txBody>
-      </p:sp>
       <p:pic>
         <p:nvPicPr>
-          <p:cNvPr id="7" name="Picture 6" descr="villa logo.png"/>
+          <p:cNvPr id="7" name="Picture 6" descr="background.png"/>
           <p:cNvPicPr>
             <a:picLocks noChangeAspect="1"/>
           </p:cNvPicPr>
@@ -3730,6 +3547,237 @@
         </p:nvPicPr>
         <p:blipFill>
           <a:blip r:embed="rId2"/>
+          <a:stretch>
+            <a:fillRect/>
+          </a:stretch>
+        </p:blipFill>
+        <p:spPr>
+          <a:xfrm>
+            <a:off x="0" y="0"/>
+            <a:ext cx="9144000" cy="6858000"/>
+          </a:xfrm>
+          <a:prstGeom prst="rect">
+            <a:avLst/>
+          </a:prstGeom>
+        </p:spPr>
+      </p:pic>
+      <p:sp>
+        <p:nvSpPr>
+          <p:cNvPr id="2" name="Title 1"/>
+          <p:cNvSpPr>
+            <a:spLocks noGrp="1"/>
+          </p:cNvSpPr>
+          <p:nvPr>
+            <p:ph type="title"/>
+          </p:nvPr>
+        </p:nvSpPr>
+        <p:spPr/>
+        <p:txBody>
+          <a:bodyPr/>
+          <a:lstStyle/>
+          <a:p>
+            <a:r>
+              <a:t>Bollvinster</a:t>
+            </a:r>
+          </a:p>
+        </p:txBody>
+      </p:sp>
+      <p:sp>
+        <p:nvSpPr>
+          <p:cNvPr id="3" name="Text Placeholder 2"/>
+          <p:cNvSpPr>
+            <a:spLocks noGrp="1"/>
+          </p:cNvSpPr>
+          <p:nvPr>
+            <p:ph type="body" idx="1"/>
+          </p:nvPr>
+        </p:nvSpPr>
+        <p:spPr/>
+        <p:txBody>
+          <a:bodyPr/>
+          <a:lstStyle/>
+          <a:p>
+            <a:pPr>
+              <a:defRPr>
+                <a:solidFill>
+                  <a:srgbClr val="FFFEFE"/>
+                </a:solidFill>
+              </a:defRPr>
+            </a:pPr>
+            <a:r>
+              <a:t>Villa Lidköping</a:t>
+            </a:r>
+          </a:p>
+        </p:txBody>
+      </p:sp>
+      <p:sp>
+        <p:nvSpPr>
+          <p:cNvPr id="4" name="Content Placeholder 3"/>
+          <p:cNvSpPr>
+            <a:spLocks noGrp="1"/>
+          </p:cNvSpPr>
+          <p:nvPr>
+            <p:ph idx="2" sz="half"/>
+          </p:nvPr>
+        </p:nvSpPr>
+        <p:spPr/>
+        <p:txBody>
+          <a:bodyPr/>
+          <a:lstStyle/>
+          <a:p/>
+          <a:p>
+            <a:pPr>
+              <a:defRPr>
+                <a:solidFill>
+                  <a:srgbClr val="FFFEFE"/>
+                </a:solidFill>
+              </a:defRPr>
+            </a:pPr>
+            <a:r>
+              <a:t>Vunna närkamper: </a:t>
+            </a:r>
+            <a:br/>
+            <a:r>
+              <a:t>	12</a:t>
+            </a:r>
+          </a:p>
+          <a:p>
+            <a:pPr>
+              <a:defRPr>
+                <a:solidFill>
+                  <a:srgbClr val="FFFEFE"/>
+                </a:solidFill>
+              </a:defRPr>
+            </a:pPr>
+            <a:r>
+              <a:t>Brytningar: </a:t>
+            </a:r>
+            <a:br/>
+            <a:r>
+              <a:t>	3</a:t>
+            </a:r>
+          </a:p>
+          <a:p>
+            <a:pPr>
+              <a:defRPr>
+                <a:solidFill>
+                  <a:srgbClr val="FFFEFE"/>
+                </a:solidFill>
+              </a:defRPr>
+            </a:pPr>
+            <a:r>
+              <a:t>Bolltapp: </a:t>
+            </a:r>
+            <a:br/>
+            <a:r>
+              <a:t>	1</a:t>
+            </a:r>
+          </a:p>
+        </p:txBody>
+      </p:sp>
+      <p:sp>
+        <p:nvSpPr>
+          <p:cNvPr id="5" name="Text Placeholder 4"/>
+          <p:cNvSpPr>
+            <a:spLocks noGrp="1"/>
+          </p:cNvSpPr>
+          <p:nvPr>
+            <p:ph type="body" idx="3" sz="quarter"/>
+          </p:nvPr>
+        </p:nvSpPr>
+        <p:spPr/>
+        <p:txBody>
+          <a:bodyPr/>
+          <a:lstStyle/>
+          <a:p>
+            <a:pPr>
+              <a:defRPr>
+                <a:solidFill>
+                  <a:srgbClr val="000000"/>
+                </a:solidFill>
+              </a:defRPr>
+            </a:pPr>
+            <a:r>
+              <a:t>Sirius</a:t>
+            </a:r>
+          </a:p>
+        </p:txBody>
+      </p:sp>
+      <p:sp>
+        <p:nvSpPr>
+          <p:cNvPr id="6" name="Content Placeholder 5"/>
+          <p:cNvSpPr>
+            <a:spLocks noGrp="1"/>
+          </p:cNvSpPr>
+          <p:nvPr>
+            <p:ph idx="4" sz="quarter"/>
+          </p:nvPr>
+        </p:nvSpPr>
+        <p:spPr/>
+        <p:txBody>
+          <a:bodyPr/>
+          <a:lstStyle/>
+          <a:p/>
+          <a:p>
+            <a:pPr>
+              <a:defRPr>
+                <a:solidFill>
+                  <a:srgbClr val="000000"/>
+                </a:solidFill>
+              </a:defRPr>
+            </a:pPr>
+            <a:r>
+              <a:t>Vunna närkamper: </a:t>
+            </a:r>
+            <a:br/>
+            <a:r>
+              <a:t>	11</a:t>
+            </a:r>
+          </a:p>
+          <a:p>
+            <a:pPr>
+              <a:defRPr>
+                <a:solidFill>
+                  <a:srgbClr val="000000"/>
+                </a:solidFill>
+              </a:defRPr>
+            </a:pPr>
+            <a:r>
+              <a:t>Brytningar: </a:t>
+            </a:r>
+            <a:br/>
+            <a:r>
+              <a:t>	2</a:t>
+            </a:r>
+          </a:p>
+          <a:p>
+            <a:pPr>
+              <a:defRPr>
+                <a:solidFill>
+                  <a:srgbClr val="000000"/>
+                </a:solidFill>
+              </a:defRPr>
+            </a:pPr>
+            <a:r>
+              <a:t>Bolltapp: </a:t>
+            </a:r>
+            <a:br/>
+            <a:r>
+              <a:t>	10</a:t>
+            </a:r>
+          </a:p>
+        </p:txBody>
+      </p:sp>
+      <p:pic>
+        <p:nvPicPr>
+          <p:cNvPr id="8" name="Picture 7" descr="villa logo.png"/>
+          <p:cNvPicPr>
+            <a:picLocks noChangeAspect="1"/>
+          </p:cNvPicPr>
+          <p:nvPr/>
+        </p:nvPicPr>
+        <p:blipFill>
+          <a:blip r:embed="rId3"/>
           <a:stretch>
             <a:fillRect/>
           </a:stretch>
@@ -3746,14 +3794,14 @@
       </p:pic>
       <p:pic>
         <p:nvPicPr>
-          <p:cNvPr id="8" name="Picture 7" descr="sirius logo.png"/>
+          <p:cNvPr id="9" name="Picture 8" descr="sirius logo.png"/>
           <p:cNvPicPr>
             <a:picLocks noChangeAspect="1"/>
           </p:cNvPicPr>
           <p:nvPr/>
         </p:nvPicPr>
         <p:blipFill>
-          <a:blip r:embed="rId3"/>
+          <a:blip r:embed="rId4"/>
           <a:stretch>
             <a:fillRect/>
           </a:stretch>
@@ -3779,14 +3827,6 @@
 <file path=ppt/slides/slide4.xml><?xml version="1.0" encoding="utf-8"?>
 <p:sld xmlns:a="http://schemas.openxmlformats.org/drawingml/2006/main" xmlns:p="http://schemas.openxmlformats.org/presentationml/2006/main" xmlns:r="http://schemas.openxmlformats.org/officeDocument/2006/relationships">
   <p:cSld>
-    <p:bg>
-      <p:bgPr>
-        <a:solidFill>
-          <a:srgbClr val="BEBEBE"/>
-        </a:solidFill>
-        <a:effectLst/>
-      </p:bgPr>
-    </p:bg>
     <p:spTree>
       <p:nvGrpSpPr>
         <p:cNvPr id="1" name=""/>
@@ -3794,35 +3834,9 @@
         <p:nvPr/>
       </p:nvGrpSpPr>
       <p:grpSpPr/>
-      <p:sp>
-        <p:nvSpPr>
-          <p:cNvPr id="2" name="Title 1"/>
-          <p:cNvSpPr>
-            <a:spLocks noGrp="1"/>
-          </p:cNvSpPr>
-          <p:nvPr>
-            <p:ph type="title"/>
-          </p:nvPr>
-        </p:nvSpPr>
-        <p:spPr/>
-        <p:txBody>
-          <a:bodyPr/>
-          <a:lstStyle/>
-          <a:p>
-            <a:r>
-              <a:t>Närkamper </a:t>
-            </a:r>
-          </a:p>
-          <a:p>
-            <a:r>
-              <a:t>och deras utfall</a:t>
-            </a:r>
-          </a:p>
-        </p:txBody>
-      </p:sp>
       <p:pic>
         <p:nvPicPr>
-          <p:cNvPr id="3" name="Picture 2" descr="villa logo.png"/>
+          <p:cNvPr id="3" name="Picture 2" descr="background.png"/>
           <p:cNvPicPr>
             <a:picLocks noChangeAspect="1"/>
           </p:cNvPicPr>
@@ -3830,6 +3844,56 @@
         </p:nvPicPr>
         <p:blipFill>
           <a:blip r:embed="rId2"/>
+          <a:stretch>
+            <a:fillRect/>
+          </a:stretch>
+        </p:blipFill>
+        <p:spPr>
+          <a:xfrm>
+            <a:off x="0" y="0"/>
+            <a:ext cx="9144000" cy="6858000"/>
+          </a:xfrm>
+          <a:prstGeom prst="rect">
+            <a:avLst/>
+          </a:prstGeom>
+        </p:spPr>
+      </p:pic>
+      <p:sp>
+        <p:nvSpPr>
+          <p:cNvPr id="2" name="Title 1"/>
+          <p:cNvSpPr>
+            <a:spLocks noGrp="1"/>
+          </p:cNvSpPr>
+          <p:nvPr>
+            <p:ph type="title"/>
+          </p:nvPr>
+        </p:nvSpPr>
+        <p:spPr/>
+        <p:txBody>
+          <a:bodyPr/>
+          <a:lstStyle/>
+          <a:p>
+            <a:r>
+              <a:t>Närkamper </a:t>
+            </a:r>
+          </a:p>
+          <a:p>
+            <a:r>
+              <a:t>och deras utfall</a:t>
+            </a:r>
+          </a:p>
+        </p:txBody>
+      </p:sp>
+      <p:pic>
+        <p:nvPicPr>
+          <p:cNvPr id="4" name="Picture 3" descr="villa logo.png"/>
+          <p:cNvPicPr>
+            <a:picLocks noChangeAspect="1"/>
+          </p:cNvPicPr>
+          <p:nvPr/>
+        </p:nvPicPr>
+        <p:blipFill>
+          <a:blip r:embed="rId3"/>
           <a:stretch>
             <a:fillRect/>
           </a:stretch>
@@ -3846,14 +3910,14 @@
       </p:pic>
       <p:pic>
         <p:nvPicPr>
-          <p:cNvPr id="4" name="Picture 3" descr="sirius logo.png"/>
+          <p:cNvPr id="5" name="Picture 4" descr="sirius logo.png"/>
           <p:cNvPicPr>
             <a:picLocks noChangeAspect="1"/>
           </p:cNvPicPr>
           <p:nvPr/>
         </p:nvPicPr>
         <p:blipFill>
-          <a:blip r:embed="rId3"/>
+          <a:blip r:embed="rId4"/>
           <a:stretch>
             <a:fillRect/>
           </a:stretch>
@@ -3870,7 +3934,7 @@
       </p:pic>
       <p:graphicFrame>
         <p:nvGraphicFramePr>
-          <p:cNvPr id="5" name="Table 4"/>
+          <p:cNvPr id="6" name="Table 5"/>
           <p:cNvGraphicFramePr>
             <a:graphicFrameLocks noGrp="1"/>
           </p:cNvGraphicFramePr>
@@ -3903,9 +3967,7 @@
                     </a:p>
                   </a:txBody>
                   <a:tcPr anchor="ctr">
-                    <a:solidFill>
-                      <a:srgbClr val="BEBEBE"/>
-                    </a:solidFill>
+                    <a:noFill/>
                   </a:tcPr>
                 </a:tc>
                 <a:tc>
@@ -3914,14 +3976,20 @@
                     <a:lstStyle/>
                     <a:p>
                       <a:pPr algn="ctr">
-                        <a:defRPr sz="2500" b="1"/>
+                        <a:defRPr sz="2500" b="1">
+                          <a:solidFill>
+                            <a:srgbClr val="2C2D84"/>
+                          </a:solidFill>
+                        </a:defRPr>
                       </a:pPr>
                       <a:r>
-                        <a:t>Efter Villa</a:t>
+                        <a:t>Efter Villa Lidköping</a:t>
                       </a:r>
                     </a:p>
                   </a:txBody>
-                  <a:tcPr anchor="ctr"/>
+                  <a:tcPr anchor="ctr">
+                    <a:noFill/>
+                  </a:tcPr>
                 </a:tc>
                 <a:tc>
                   <a:txBody>
@@ -3929,14 +3997,20 @@
                     <a:lstStyle/>
                     <a:p>
                       <a:pPr algn="ctr">
-                        <a:defRPr sz="2500" b="1"/>
+                        <a:defRPr sz="2500" b="1">
+                          <a:solidFill>
+                            <a:srgbClr val="145CAC"/>
+                          </a:solidFill>
+                        </a:defRPr>
                       </a:pPr>
                       <a:r>
                         <a:t>Efter Sirius</a:t>
                       </a:r>
                     </a:p>
                   </a:txBody>
-                  <a:tcPr anchor="ctr"/>
+                  <a:tcPr anchor="ctr">
+                    <a:noFill/>
+                  </a:tcPr>
                 </a:tc>
               </a:tr>
               <a:tr h="1219200">
@@ -3946,14 +4020,20 @@
                     <a:lstStyle/>
                     <a:p>
                       <a:pPr algn="ctr">
-                        <a:defRPr sz="2500" b="1"/>
+                        <a:defRPr sz="2500" b="1">
+                          <a:solidFill>
+                            <a:srgbClr val="2C2D84"/>
+                          </a:solidFill>
+                        </a:defRPr>
                       </a:pPr>
                       <a:r>
-                        <a:t>Före Villa</a:t>
+                        <a:t>Före Villa Lidköping</a:t>
                       </a:r>
                     </a:p>
                   </a:txBody>
-                  <a:tcPr anchor="ctr"/>
+                  <a:tcPr anchor="ctr">
+                    <a:noFill/>
+                  </a:tcPr>
                 </a:tc>
                 <a:tc>
                   <a:txBody>
@@ -3970,7 +4050,7 @@
                   </a:txBody>
                   <a:tcPr anchor="ctr">
                     <a:solidFill>
-                      <a:srgbClr val="009ADE"/>
+                      <a:srgbClr val="56569C"/>
                     </a:solidFill>
                   </a:tcPr>
                 </a:tc>
@@ -3987,7 +4067,11 @@
                       </a:r>
                     </a:p>
                   </a:txBody>
-                  <a:tcPr anchor="ctr"/>
+                  <a:tcPr anchor="ctr">
+                    <a:solidFill>
+                      <a:srgbClr val="798EC1"/>
+                    </a:solidFill>
+                  </a:tcPr>
                 </a:tc>
               </a:tr>
               <a:tr h="1219200">
@@ -3997,14 +4081,20 @@
                     <a:lstStyle/>
                     <a:p>
                       <a:pPr algn="ctr">
-                        <a:defRPr sz="2500" b="1"/>
+                        <a:defRPr sz="2500" b="1">
+                          <a:solidFill>
+                            <a:srgbClr val="145CAC"/>
+                          </a:solidFill>
+                        </a:defRPr>
                       </a:pPr>
                       <a:r>
                         <a:t>Före Sirius</a:t>
                       </a:r>
                     </a:p>
                   </a:txBody>
-                  <a:tcPr anchor="ctr"/>
+                  <a:tcPr anchor="ctr">
+                    <a:noFill/>
+                  </a:tcPr>
                 </a:tc>
                 <a:tc>
                   <a:txBody>
@@ -4019,7 +4109,11 @@
                       </a:r>
                     </a:p>
                   </a:txBody>
-                  <a:tcPr anchor="ctr"/>
+                  <a:tcPr anchor="ctr">
+                    <a:solidFill>
+                      <a:srgbClr val="798EC1"/>
+                    </a:solidFill>
+                  </a:tcPr>
                 </a:tc>
                 <a:tc>
                   <a:txBody>
@@ -4036,7 +4130,7 @@
                   </a:txBody>
                   <a:tcPr anchor="ctr">
                     <a:solidFill>
-                      <a:srgbClr val="009ADE"/>
+                      <a:srgbClr val="427CBC"/>
                     </a:solidFill>
                   </a:tcPr>
                 </a:tc>
@@ -4056,14 +4150,6 @@
 <file path=ppt/slides/slide5.xml><?xml version="1.0" encoding="utf-8"?>
 <p:sld xmlns:a="http://schemas.openxmlformats.org/drawingml/2006/main" xmlns:p="http://schemas.openxmlformats.org/presentationml/2006/main" xmlns:r="http://schemas.openxmlformats.org/officeDocument/2006/relationships">
   <p:cSld>
-    <p:bg>
-      <p:bgPr>
-        <a:solidFill>
-          <a:srgbClr val="BEBEBE"/>
-        </a:solidFill>
-        <a:effectLst/>
-      </p:bgPr>
-    </p:bg>
     <p:spTree>
       <p:nvGrpSpPr>
         <p:cNvPr id="1" name=""/>
@@ -4071,245 +4157,9 @@
         <p:nvPr/>
       </p:nvGrpSpPr>
       <p:grpSpPr/>
-      <p:sp>
-        <p:nvSpPr>
-          <p:cNvPr id="2" name="Title 1"/>
-          <p:cNvSpPr>
-            <a:spLocks noGrp="1"/>
-          </p:cNvSpPr>
-          <p:nvPr>
-            <p:ph type="title"/>
-          </p:nvPr>
-        </p:nvSpPr>
-        <p:spPr/>
-        <p:txBody>
-          <a:bodyPr/>
-          <a:lstStyle/>
-          <a:p>
-            <a:r>
-              <a:t>Skottstatistik </a:t>
-            </a:r>
-          </a:p>
-          <a:p>
-            <a:r>
-              <a:t>Skotttyper</a:t>
-            </a:r>
-          </a:p>
-        </p:txBody>
-      </p:sp>
-      <p:sp>
-        <p:nvSpPr>
-          <p:cNvPr id="3" name="Text Placeholder 2"/>
-          <p:cNvSpPr>
-            <a:spLocks noGrp="1"/>
-          </p:cNvSpPr>
-          <p:nvPr>
-            <p:ph type="body" idx="1"/>
-          </p:nvPr>
-        </p:nvSpPr>
-        <p:spPr/>
-        <p:txBody>
-          <a:bodyPr/>
-          <a:lstStyle/>
-          <a:p>
-            <a:pPr>
-              <a:defRPr>
-                <a:solidFill>
-                  <a:srgbClr val="FFFEFE"/>
-                </a:solidFill>
-              </a:defRPr>
-            </a:pPr>
-            <a:r>
-              <a:t>Villa - skottförsök: 18</a:t>
-            </a:r>
-          </a:p>
-        </p:txBody>
-      </p:sp>
-      <p:sp>
-        <p:nvSpPr>
-          <p:cNvPr id="4" name="Content Placeholder 3"/>
-          <p:cNvSpPr>
-            <a:spLocks noGrp="1"/>
-          </p:cNvSpPr>
-          <p:nvPr>
-            <p:ph idx="2" sz="half"/>
-          </p:nvPr>
-        </p:nvSpPr>
-        <p:spPr/>
-        <p:txBody>
-          <a:bodyPr/>
-          <a:lstStyle/>
-          <a:p/>
-          <a:p>
-            <a:pPr>
-              <a:defRPr>
-                <a:solidFill>
-                  <a:srgbClr val="FFFEFE"/>
-                </a:solidFill>
-              </a:defRPr>
-            </a:pPr>
-            <a:r>
-              <a:t>Centralt: 9</a:t>
-            </a:r>
-          </a:p>
-          <a:p>
-            <a:pPr>
-              <a:defRPr>
-                <a:solidFill>
-                  <a:srgbClr val="FFFEFE"/>
-                </a:solidFill>
-              </a:defRPr>
-            </a:pPr>
-            <a:r>
-              <a:t>Dribbling: 2</a:t>
-            </a:r>
-          </a:p>
-          <a:p>
-            <a:pPr>
-              <a:defRPr>
-                <a:solidFill>
-                  <a:srgbClr val="FFFEFE"/>
-                </a:solidFill>
-              </a:defRPr>
-            </a:pPr>
-            <a:r>
-              <a:t>Friställande: 2</a:t>
-            </a:r>
-          </a:p>
-          <a:p>
-            <a:pPr>
-              <a:defRPr>
-                <a:solidFill>
-                  <a:srgbClr val="FFFEFE"/>
-                </a:solidFill>
-              </a:defRPr>
-            </a:pPr>
-            <a:r>
-              <a:t>Inlägg: 2</a:t>
-            </a:r>
-          </a:p>
-          <a:p>
-            <a:pPr>
-              <a:defRPr>
-                <a:solidFill>
-                  <a:srgbClr val="FFFEFE"/>
-                </a:solidFill>
-              </a:defRPr>
-            </a:pPr>
-            <a:r>
-              <a:t>Utifrån: 3</a:t>
-            </a:r>
-          </a:p>
-        </p:txBody>
-      </p:sp>
-      <p:sp>
-        <p:nvSpPr>
-          <p:cNvPr id="5" name="Text Placeholder 4"/>
-          <p:cNvSpPr>
-            <a:spLocks noGrp="1"/>
-          </p:cNvSpPr>
-          <p:nvPr>
-            <p:ph type="body" idx="3" sz="quarter"/>
-          </p:nvPr>
-        </p:nvSpPr>
-        <p:spPr/>
-        <p:txBody>
-          <a:bodyPr/>
-          <a:lstStyle/>
-          <a:p>
-            <a:pPr>
-              <a:defRPr>
-                <a:solidFill>
-                  <a:srgbClr val="000000"/>
-                </a:solidFill>
-              </a:defRPr>
-            </a:pPr>
-            <a:r>
-              <a:t>Sirius - skottförsök: 13</a:t>
-            </a:r>
-          </a:p>
-        </p:txBody>
-      </p:sp>
-      <p:sp>
-        <p:nvSpPr>
-          <p:cNvPr id="6" name="Content Placeholder 5"/>
-          <p:cNvSpPr>
-            <a:spLocks noGrp="1"/>
-          </p:cNvSpPr>
-          <p:nvPr>
-            <p:ph idx="4" sz="quarter"/>
-          </p:nvPr>
-        </p:nvSpPr>
-        <p:spPr/>
-        <p:txBody>
-          <a:bodyPr/>
-          <a:lstStyle/>
-          <a:p/>
-          <a:p>
-            <a:pPr>
-              <a:defRPr>
-                <a:solidFill>
-                  <a:srgbClr val="000000"/>
-                </a:solidFill>
-              </a:defRPr>
-            </a:pPr>
-            <a:r>
-              <a:t>Centralt: 4</a:t>
-            </a:r>
-          </a:p>
-          <a:p>
-            <a:pPr>
-              <a:defRPr>
-                <a:solidFill>
-                  <a:srgbClr val="000000"/>
-                </a:solidFill>
-              </a:defRPr>
-            </a:pPr>
-            <a:r>
-              <a:t>Dribbling: 0</a:t>
-            </a:r>
-          </a:p>
-          <a:p>
-            <a:pPr>
-              <a:defRPr>
-                <a:solidFill>
-                  <a:srgbClr val="000000"/>
-                </a:solidFill>
-              </a:defRPr>
-            </a:pPr>
-            <a:r>
-              <a:t>Friställande: 1</a:t>
-            </a:r>
-          </a:p>
-          <a:p>
-            <a:pPr>
-              <a:defRPr>
-                <a:solidFill>
-                  <a:srgbClr val="000000"/>
-                </a:solidFill>
-              </a:defRPr>
-            </a:pPr>
-            <a:r>
-              <a:t>Inlägg: 2</a:t>
-            </a:r>
-          </a:p>
-          <a:p>
-            <a:pPr>
-              <a:defRPr>
-                <a:solidFill>
-                  <a:srgbClr val="000000"/>
-                </a:solidFill>
-              </a:defRPr>
-            </a:pPr>
-            <a:r>
-              <a:t>Utifrån: 6</a:t>
-            </a:r>
-          </a:p>
-        </p:txBody>
-      </p:sp>
       <p:pic>
         <p:nvPicPr>
-          <p:cNvPr id="7" name="Picture 6" descr="villa logo.png"/>
+          <p:cNvPr id="7" name="Picture 6" descr="background.png"/>
           <p:cNvPicPr>
             <a:picLocks noChangeAspect="1"/>
           </p:cNvPicPr>
@@ -4317,6 +4167,266 @@
         </p:nvPicPr>
         <p:blipFill>
           <a:blip r:embed="rId2"/>
+          <a:stretch>
+            <a:fillRect/>
+          </a:stretch>
+        </p:blipFill>
+        <p:spPr>
+          <a:xfrm>
+            <a:off x="0" y="0"/>
+            <a:ext cx="9144000" cy="6858000"/>
+          </a:xfrm>
+          <a:prstGeom prst="rect">
+            <a:avLst/>
+          </a:prstGeom>
+        </p:spPr>
+      </p:pic>
+      <p:sp>
+        <p:nvSpPr>
+          <p:cNvPr id="2" name="Title 1"/>
+          <p:cNvSpPr>
+            <a:spLocks noGrp="1"/>
+          </p:cNvSpPr>
+          <p:nvPr>
+            <p:ph type="title"/>
+          </p:nvPr>
+        </p:nvSpPr>
+        <p:spPr/>
+        <p:txBody>
+          <a:bodyPr/>
+          <a:lstStyle/>
+          <a:p>
+            <a:r>
+              <a:t>Skottstatistik </a:t>
+            </a:r>
+          </a:p>
+          <a:p>
+            <a:r>
+              <a:t>Skotttyper</a:t>
+            </a:r>
+          </a:p>
+        </p:txBody>
+      </p:sp>
+      <p:sp>
+        <p:nvSpPr>
+          <p:cNvPr id="3" name="Text Placeholder 2"/>
+          <p:cNvSpPr>
+            <a:spLocks noGrp="1"/>
+          </p:cNvSpPr>
+          <p:nvPr>
+            <p:ph type="body" idx="1"/>
+          </p:nvPr>
+        </p:nvSpPr>
+        <p:spPr/>
+        <p:txBody>
+          <a:bodyPr/>
+          <a:lstStyle/>
+          <a:p>
+            <a:pPr>
+              <a:defRPr>
+                <a:solidFill>
+                  <a:srgbClr val="FFFEFE"/>
+                </a:solidFill>
+              </a:defRPr>
+            </a:pPr>
+            <a:r>
+              <a:t>Villa Lidköping - skottförsök: 18</a:t>
+            </a:r>
+          </a:p>
+        </p:txBody>
+      </p:sp>
+      <p:sp>
+        <p:nvSpPr>
+          <p:cNvPr id="4" name="Content Placeholder 3"/>
+          <p:cNvSpPr>
+            <a:spLocks noGrp="1"/>
+          </p:cNvSpPr>
+          <p:nvPr>
+            <p:ph idx="2" sz="half"/>
+          </p:nvPr>
+        </p:nvSpPr>
+        <p:spPr/>
+        <p:txBody>
+          <a:bodyPr/>
+          <a:lstStyle/>
+          <a:p/>
+          <a:p>
+            <a:pPr>
+              <a:defRPr>
+                <a:solidFill>
+                  <a:srgbClr val="FFFEFE"/>
+                </a:solidFill>
+              </a:defRPr>
+            </a:pPr>
+            <a:r>
+              <a:t>Centralt: 9</a:t>
+            </a:r>
+          </a:p>
+          <a:p>
+            <a:pPr>
+              <a:defRPr>
+                <a:solidFill>
+                  <a:srgbClr val="FFFEFE"/>
+                </a:solidFill>
+              </a:defRPr>
+            </a:pPr>
+            <a:r>
+              <a:t>Dribbling: 2</a:t>
+            </a:r>
+          </a:p>
+          <a:p>
+            <a:pPr>
+              <a:defRPr>
+                <a:solidFill>
+                  <a:srgbClr val="FFFEFE"/>
+                </a:solidFill>
+              </a:defRPr>
+            </a:pPr>
+            <a:r>
+              <a:t>Friställande: 2</a:t>
+            </a:r>
+          </a:p>
+          <a:p>
+            <a:pPr>
+              <a:defRPr>
+                <a:solidFill>
+                  <a:srgbClr val="FFFEFE"/>
+                </a:solidFill>
+              </a:defRPr>
+            </a:pPr>
+            <a:r>
+              <a:t>Inlägg: 2</a:t>
+            </a:r>
+          </a:p>
+          <a:p>
+            <a:pPr>
+              <a:defRPr>
+                <a:solidFill>
+                  <a:srgbClr val="FFFEFE"/>
+                </a:solidFill>
+              </a:defRPr>
+            </a:pPr>
+            <a:r>
+              <a:t>Utifrån: 3</a:t>
+            </a:r>
+          </a:p>
+        </p:txBody>
+      </p:sp>
+      <p:sp>
+        <p:nvSpPr>
+          <p:cNvPr id="5" name="Text Placeholder 4"/>
+          <p:cNvSpPr>
+            <a:spLocks noGrp="1"/>
+          </p:cNvSpPr>
+          <p:nvPr>
+            <p:ph type="body" idx="3" sz="quarter"/>
+          </p:nvPr>
+        </p:nvSpPr>
+        <p:spPr/>
+        <p:txBody>
+          <a:bodyPr/>
+          <a:lstStyle/>
+          <a:p>
+            <a:pPr>
+              <a:defRPr>
+                <a:solidFill>
+                  <a:srgbClr val="000000"/>
+                </a:solidFill>
+              </a:defRPr>
+            </a:pPr>
+            <a:r>
+              <a:t>Sirius - skottförsök: 13</a:t>
+            </a:r>
+          </a:p>
+        </p:txBody>
+      </p:sp>
+      <p:sp>
+        <p:nvSpPr>
+          <p:cNvPr id="6" name="Content Placeholder 5"/>
+          <p:cNvSpPr>
+            <a:spLocks noGrp="1"/>
+          </p:cNvSpPr>
+          <p:nvPr>
+            <p:ph idx="4" sz="quarter"/>
+          </p:nvPr>
+        </p:nvSpPr>
+        <p:spPr/>
+        <p:txBody>
+          <a:bodyPr/>
+          <a:lstStyle/>
+          <a:p/>
+          <a:p>
+            <a:pPr>
+              <a:defRPr>
+                <a:solidFill>
+                  <a:srgbClr val="000000"/>
+                </a:solidFill>
+              </a:defRPr>
+            </a:pPr>
+            <a:r>
+              <a:t>Centralt: 4</a:t>
+            </a:r>
+          </a:p>
+          <a:p>
+            <a:pPr>
+              <a:defRPr>
+                <a:solidFill>
+                  <a:srgbClr val="000000"/>
+                </a:solidFill>
+              </a:defRPr>
+            </a:pPr>
+            <a:r>
+              <a:t>Dribbling: 0</a:t>
+            </a:r>
+          </a:p>
+          <a:p>
+            <a:pPr>
+              <a:defRPr>
+                <a:solidFill>
+                  <a:srgbClr val="000000"/>
+                </a:solidFill>
+              </a:defRPr>
+            </a:pPr>
+            <a:r>
+              <a:t>Friställande: 1</a:t>
+            </a:r>
+          </a:p>
+          <a:p>
+            <a:pPr>
+              <a:defRPr>
+                <a:solidFill>
+                  <a:srgbClr val="000000"/>
+                </a:solidFill>
+              </a:defRPr>
+            </a:pPr>
+            <a:r>
+              <a:t>Inlägg: 2</a:t>
+            </a:r>
+          </a:p>
+          <a:p>
+            <a:pPr>
+              <a:defRPr>
+                <a:solidFill>
+                  <a:srgbClr val="000000"/>
+                </a:solidFill>
+              </a:defRPr>
+            </a:pPr>
+            <a:r>
+              <a:t>Utifrån: 6</a:t>
+            </a:r>
+          </a:p>
+        </p:txBody>
+      </p:sp>
+      <p:pic>
+        <p:nvPicPr>
+          <p:cNvPr id="8" name="Picture 7" descr="villa logo.png"/>
+          <p:cNvPicPr>
+            <a:picLocks noChangeAspect="1"/>
+          </p:cNvPicPr>
+          <p:nvPr/>
+        </p:nvPicPr>
+        <p:blipFill>
+          <a:blip r:embed="rId3"/>
           <a:stretch>
             <a:fillRect/>
           </a:stretch>
@@ -4333,14 +4443,14 @@
       </p:pic>
       <p:pic>
         <p:nvPicPr>
-          <p:cNvPr id="8" name="Picture 7" descr="sirius logo.png"/>
+          <p:cNvPr id="9" name="Picture 8" descr="sirius logo.png"/>
           <p:cNvPicPr>
             <a:picLocks noChangeAspect="1"/>
           </p:cNvPicPr>
           <p:nvPr/>
         </p:nvPicPr>
         <p:blipFill>
-          <a:blip r:embed="rId3"/>
+          <a:blip r:embed="rId4"/>
           <a:stretch>
             <a:fillRect/>
           </a:stretch>
@@ -4366,14 +4476,6 @@
 <file path=ppt/slides/slide6.xml><?xml version="1.0" encoding="utf-8"?>
 <p:sld xmlns:a="http://schemas.openxmlformats.org/drawingml/2006/main" xmlns:p="http://schemas.openxmlformats.org/presentationml/2006/main" xmlns:r="http://schemas.openxmlformats.org/officeDocument/2006/relationships">
   <p:cSld>
-    <p:bg>
-      <p:bgPr>
-        <a:solidFill>
-          <a:srgbClr val="BEBEBE"/>
-        </a:solidFill>
-        <a:effectLst/>
-      </p:bgPr>
-    </p:bg>
     <p:spTree>
       <p:nvGrpSpPr>
         <p:cNvPr id="1" name=""/>
@@ -4381,341 +4483,9 @@
         <p:nvPr/>
       </p:nvGrpSpPr>
       <p:grpSpPr/>
-      <p:sp>
-        <p:nvSpPr>
-          <p:cNvPr id="2" name="Title 1"/>
-          <p:cNvSpPr>
-            <a:spLocks noGrp="1"/>
-          </p:cNvSpPr>
-          <p:nvPr>
-            <p:ph type="title"/>
-          </p:nvPr>
-        </p:nvSpPr>
-        <p:spPr/>
-        <p:txBody>
-          <a:bodyPr/>
-          <a:lstStyle/>
-          <a:p>
-            <a:r>
-              <a:t>Skottstatistik </a:t>
-            </a:r>
-          </a:p>
-          <a:p>
-            <a:r>
-              <a:t>Skottens ursprung</a:t>
-            </a:r>
-          </a:p>
-        </p:txBody>
-      </p:sp>
-      <p:sp>
-        <p:nvSpPr>
-          <p:cNvPr id="3" name="Text Placeholder 2"/>
-          <p:cNvSpPr>
-            <a:spLocks noGrp="1"/>
-          </p:cNvSpPr>
-          <p:nvPr>
-            <p:ph type="body" idx="1"/>
-          </p:nvPr>
-        </p:nvSpPr>
-        <p:spPr/>
-        <p:txBody>
-          <a:bodyPr/>
-          <a:lstStyle/>
-          <a:p>
-            <a:pPr>
-              <a:defRPr>
-                <a:solidFill>
-                  <a:srgbClr val="FFFEFE"/>
-                </a:solidFill>
-              </a:defRPr>
-            </a:pPr>
-            <a:r>
-              <a:t>Villa - skottförsök: 28</a:t>
-            </a:r>
-          </a:p>
-        </p:txBody>
-      </p:sp>
-      <p:sp>
-        <p:nvSpPr>
-          <p:cNvPr id="4" name="Content Placeholder 3"/>
-          <p:cNvSpPr>
-            <a:spLocks noGrp="1"/>
-          </p:cNvSpPr>
-          <p:nvPr>
-            <p:ph idx="2" sz="half"/>
-          </p:nvPr>
-        </p:nvSpPr>
-        <p:spPr/>
-        <p:txBody>
-          <a:bodyPr/>
-          <a:lstStyle/>
-          <a:p/>
-          <a:p>
-            <a:pPr>
-              <a:defRPr>
-                <a:solidFill>
-                  <a:srgbClr val="FFFEFE"/>
-                </a:solidFill>
-              </a:defRPr>
-            </a:pPr>
-            <a:r>
-              <a:t>Boll: 2</a:t>
-            </a:r>
-          </a:p>
-          <a:p>
-            <a:pPr>
-              <a:defRPr>
-                <a:solidFill>
-                  <a:srgbClr val="FFFEFE"/>
-                </a:solidFill>
-              </a:defRPr>
-            </a:pPr>
-            <a:r>
-              <a:t>Bolltapp: 4</a:t>
-            </a:r>
-          </a:p>
-          <a:p>
-            <a:pPr>
-              <a:defRPr>
-                <a:solidFill>
-                  <a:srgbClr val="FFFEFE"/>
-                </a:solidFill>
-              </a:defRPr>
-            </a:pPr>
-            <a:r>
-              <a:t>Brytning: 1</a:t>
-            </a:r>
-          </a:p>
-          <a:p>
-            <a:pPr>
-              <a:defRPr>
-                <a:solidFill>
-                  <a:srgbClr val="FFFEFE"/>
-                </a:solidFill>
-              </a:defRPr>
-            </a:pPr>
-            <a:r>
-              <a:t>Frislag: 0</a:t>
-            </a:r>
-          </a:p>
-          <a:p>
-            <a:pPr>
-              <a:defRPr>
-                <a:solidFill>
-                  <a:srgbClr val="FFFEFE"/>
-                </a:solidFill>
-              </a:defRPr>
-            </a:pPr>
-            <a:r>
-              <a:t>Hörna: 11</a:t>
-            </a:r>
-          </a:p>
-          <a:p>
-            <a:pPr>
-              <a:defRPr>
-                <a:solidFill>
-                  <a:srgbClr val="FFFEFE"/>
-                </a:solidFill>
-              </a:defRPr>
-            </a:pPr>
-            <a:r>
-              <a:t>Inslag: 1</a:t>
-            </a:r>
-          </a:p>
-          <a:p>
-            <a:pPr>
-              <a:defRPr>
-                <a:solidFill>
-                  <a:srgbClr val="FFFEFE"/>
-                </a:solidFill>
-              </a:defRPr>
-            </a:pPr>
-            <a:r>
-              <a:t>Närkamp: 4</a:t>
-            </a:r>
-          </a:p>
-          <a:p>
-            <a:pPr>
-              <a:defRPr>
-                <a:solidFill>
-                  <a:srgbClr val="FFFEFE"/>
-                </a:solidFill>
-              </a:defRPr>
-            </a:pPr>
-            <a:r>
-              <a:t>Offside: 0</a:t>
-            </a:r>
-          </a:p>
-          <a:p>
-            <a:pPr>
-              <a:defRPr>
-                <a:solidFill>
-                  <a:srgbClr val="FFFEFE"/>
-                </a:solidFill>
-              </a:defRPr>
-            </a:pPr>
-            <a:r>
-              <a:t>Utkast: 5</a:t>
-            </a:r>
-          </a:p>
-        </p:txBody>
-      </p:sp>
-      <p:sp>
-        <p:nvSpPr>
-          <p:cNvPr id="5" name="Text Placeholder 4"/>
-          <p:cNvSpPr>
-            <a:spLocks noGrp="1"/>
-          </p:cNvSpPr>
-          <p:nvPr>
-            <p:ph type="body" idx="3" sz="quarter"/>
-          </p:nvPr>
-        </p:nvSpPr>
-        <p:spPr/>
-        <p:txBody>
-          <a:bodyPr/>
-          <a:lstStyle/>
-          <a:p>
-            <a:pPr>
-              <a:defRPr>
-                <a:solidFill>
-                  <a:srgbClr val="000000"/>
-                </a:solidFill>
-              </a:defRPr>
-            </a:pPr>
-            <a:r>
-              <a:t>Sirius - skottförsök: 20</a:t>
-            </a:r>
-          </a:p>
-        </p:txBody>
-      </p:sp>
-      <p:sp>
-        <p:nvSpPr>
-          <p:cNvPr id="6" name="Content Placeholder 5"/>
-          <p:cNvSpPr>
-            <a:spLocks noGrp="1"/>
-          </p:cNvSpPr>
-          <p:nvPr>
-            <p:ph idx="4" sz="quarter"/>
-          </p:nvPr>
-        </p:nvSpPr>
-        <p:spPr/>
-        <p:txBody>
-          <a:bodyPr/>
-          <a:lstStyle/>
-          <a:p/>
-          <a:p>
-            <a:pPr>
-              <a:defRPr>
-                <a:solidFill>
-                  <a:srgbClr val="000000"/>
-                </a:solidFill>
-              </a:defRPr>
-            </a:pPr>
-            <a:r>
-              <a:t>Boll: 2</a:t>
-            </a:r>
-          </a:p>
-          <a:p>
-            <a:pPr>
-              <a:defRPr>
-                <a:solidFill>
-                  <a:srgbClr val="000000"/>
-                </a:solidFill>
-              </a:defRPr>
-            </a:pPr>
-            <a:r>
-              <a:t>Bolltapp: 0</a:t>
-            </a:r>
-          </a:p>
-          <a:p>
-            <a:pPr>
-              <a:defRPr>
-                <a:solidFill>
-                  <a:srgbClr val="000000"/>
-                </a:solidFill>
-              </a:defRPr>
-            </a:pPr>
-            <a:r>
-              <a:t>Brytning: 0</a:t>
-            </a:r>
-          </a:p>
-          <a:p>
-            <a:pPr>
-              <a:defRPr>
-                <a:solidFill>
-                  <a:srgbClr val="000000"/>
-                </a:solidFill>
-              </a:defRPr>
-            </a:pPr>
-            <a:r>
-              <a:t>Frislag: 3</a:t>
-            </a:r>
-          </a:p>
-          <a:p>
-            <a:pPr>
-              <a:defRPr>
-                <a:solidFill>
-                  <a:srgbClr val="000000"/>
-                </a:solidFill>
-              </a:defRPr>
-            </a:pPr>
-            <a:r>
-              <a:t>Hörna: 8</a:t>
-            </a:r>
-          </a:p>
-          <a:p>
-            <a:pPr>
-              <a:defRPr>
-                <a:solidFill>
-                  <a:srgbClr val="000000"/>
-                </a:solidFill>
-              </a:defRPr>
-            </a:pPr>
-            <a:r>
-              <a:t>Inslag: 0</a:t>
-            </a:r>
-          </a:p>
-          <a:p>
-            <a:pPr>
-              <a:defRPr>
-                <a:solidFill>
-                  <a:srgbClr val="000000"/>
-                </a:solidFill>
-              </a:defRPr>
-            </a:pPr>
-            <a:r>
-              <a:t>Närkamp: 2</a:t>
-            </a:r>
-          </a:p>
-          <a:p>
-            <a:pPr>
-              <a:defRPr>
-                <a:solidFill>
-                  <a:srgbClr val="000000"/>
-                </a:solidFill>
-              </a:defRPr>
-            </a:pPr>
-            <a:r>
-              <a:t>Offside: 1</a:t>
-            </a:r>
-          </a:p>
-          <a:p>
-            <a:pPr>
-              <a:defRPr>
-                <a:solidFill>
-                  <a:srgbClr val="000000"/>
-                </a:solidFill>
-              </a:defRPr>
-            </a:pPr>
-            <a:r>
-              <a:t>Utkast: 4</a:t>
-            </a:r>
-          </a:p>
-        </p:txBody>
-      </p:sp>
       <p:pic>
         <p:nvPicPr>
-          <p:cNvPr id="7" name="Picture 6" descr="villa logo.png"/>
+          <p:cNvPr id="7" name="Picture 6" descr="background.png"/>
           <p:cNvPicPr>
             <a:picLocks noChangeAspect="1"/>
           </p:cNvPicPr>
@@ -4723,6 +4493,362 @@
         </p:nvPicPr>
         <p:blipFill>
           <a:blip r:embed="rId2"/>
+          <a:stretch>
+            <a:fillRect/>
+          </a:stretch>
+        </p:blipFill>
+        <p:spPr>
+          <a:xfrm>
+            <a:off x="0" y="0"/>
+            <a:ext cx="9144000" cy="6858000"/>
+          </a:xfrm>
+          <a:prstGeom prst="rect">
+            <a:avLst/>
+          </a:prstGeom>
+        </p:spPr>
+      </p:pic>
+      <p:sp>
+        <p:nvSpPr>
+          <p:cNvPr id="2" name="Title 1"/>
+          <p:cNvSpPr>
+            <a:spLocks noGrp="1"/>
+          </p:cNvSpPr>
+          <p:nvPr>
+            <p:ph type="title"/>
+          </p:nvPr>
+        </p:nvSpPr>
+        <p:spPr/>
+        <p:txBody>
+          <a:bodyPr/>
+          <a:lstStyle/>
+          <a:p>
+            <a:r>
+              <a:t>Skottstatistik </a:t>
+            </a:r>
+          </a:p>
+          <a:p>
+            <a:r>
+              <a:t>Skottens ursprung</a:t>
+            </a:r>
+          </a:p>
+        </p:txBody>
+      </p:sp>
+      <p:sp>
+        <p:nvSpPr>
+          <p:cNvPr id="3" name="Text Placeholder 2"/>
+          <p:cNvSpPr>
+            <a:spLocks noGrp="1"/>
+          </p:cNvSpPr>
+          <p:nvPr>
+            <p:ph type="body" idx="1"/>
+          </p:nvPr>
+        </p:nvSpPr>
+        <p:spPr/>
+        <p:txBody>
+          <a:bodyPr/>
+          <a:lstStyle/>
+          <a:p>
+            <a:pPr>
+              <a:defRPr>
+                <a:solidFill>
+                  <a:srgbClr val="FFFEFE"/>
+                </a:solidFill>
+              </a:defRPr>
+            </a:pPr>
+            <a:r>
+              <a:t>Villa Lidköping - skottförsök: 28</a:t>
+            </a:r>
+          </a:p>
+        </p:txBody>
+      </p:sp>
+      <p:sp>
+        <p:nvSpPr>
+          <p:cNvPr id="4" name="Content Placeholder 3"/>
+          <p:cNvSpPr>
+            <a:spLocks noGrp="1"/>
+          </p:cNvSpPr>
+          <p:nvPr>
+            <p:ph idx="2" sz="half"/>
+          </p:nvPr>
+        </p:nvSpPr>
+        <p:spPr/>
+        <p:txBody>
+          <a:bodyPr/>
+          <a:lstStyle/>
+          <a:p/>
+          <a:p>
+            <a:pPr>
+              <a:defRPr>
+                <a:solidFill>
+                  <a:srgbClr val="FFFEFE"/>
+                </a:solidFill>
+              </a:defRPr>
+            </a:pPr>
+            <a:r>
+              <a:t>Boll: 2</a:t>
+            </a:r>
+          </a:p>
+          <a:p>
+            <a:pPr>
+              <a:defRPr>
+                <a:solidFill>
+                  <a:srgbClr val="FFFEFE"/>
+                </a:solidFill>
+              </a:defRPr>
+            </a:pPr>
+            <a:r>
+              <a:t>Bolltapp: 4</a:t>
+            </a:r>
+          </a:p>
+          <a:p>
+            <a:pPr>
+              <a:defRPr>
+                <a:solidFill>
+                  <a:srgbClr val="FFFEFE"/>
+                </a:solidFill>
+              </a:defRPr>
+            </a:pPr>
+            <a:r>
+              <a:t>Brytning: 1</a:t>
+            </a:r>
+          </a:p>
+          <a:p>
+            <a:pPr>
+              <a:defRPr>
+                <a:solidFill>
+                  <a:srgbClr val="FFFEFE"/>
+                </a:solidFill>
+              </a:defRPr>
+            </a:pPr>
+            <a:r>
+              <a:t>Frislag: 0</a:t>
+            </a:r>
+          </a:p>
+          <a:p>
+            <a:pPr>
+              <a:defRPr>
+                <a:solidFill>
+                  <a:srgbClr val="FFFEFE"/>
+                </a:solidFill>
+              </a:defRPr>
+            </a:pPr>
+            <a:r>
+              <a:t>Hörna: 11</a:t>
+            </a:r>
+          </a:p>
+          <a:p>
+            <a:pPr>
+              <a:defRPr>
+                <a:solidFill>
+                  <a:srgbClr val="FFFEFE"/>
+                </a:solidFill>
+              </a:defRPr>
+            </a:pPr>
+            <a:r>
+              <a:t>Inslag: 1</a:t>
+            </a:r>
+          </a:p>
+          <a:p>
+            <a:pPr>
+              <a:defRPr>
+                <a:solidFill>
+                  <a:srgbClr val="FFFEFE"/>
+                </a:solidFill>
+              </a:defRPr>
+            </a:pPr>
+            <a:r>
+              <a:t>Närkamp: 4</a:t>
+            </a:r>
+          </a:p>
+          <a:p>
+            <a:pPr>
+              <a:defRPr>
+                <a:solidFill>
+                  <a:srgbClr val="FFFEFE"/>
+                </a:solidFill>
+              </a:defRPr>
+            </a:pPr>
+            <a:r>
+              <a:t>Offside: 0</a:t>
+            </a:r>
+          </a:p>
+          <a:p>
+            <a:pPr>
+              <a:defRPr>
+                <a:solidFill>
+                  <a:srgbClr val="FFFEFE"/>
+                </a:solidFill>
+              </a:defRPr>
+            </a:pPr>
+            <a:r>
+              <a:t>Utkast: 5</a:t>
+            </a:r>
+          </a:p>
+        </p:txBody>
+      </p:sp>
+      <p:sp>
+        <p:nvSpPr>
+          <p:cNvPr id="5" name="Text Placeholder 4"/>
+          <p:cNvSpPr>
+            <a:spLocks noGrp="1"/>
+          </p:cNvSpPr>
+          <p:nvPr>
+            <p:ph type="body" idx="3" sz="quarter"/>
+          </p:nvPr>
+        </p:nvSpPr>
+        <p:spPr/>
+        <p:txBody>
+          <a:bodyPr/>
+          <a:lstStyle/>
+          <a:p>
+            <a:pPr>
+              <a:defRPr>
+                <a:solidFill>
+                  <a:srgbClr val="000000"/>
+                </a:solidFill>
+              </a:defRPr>
+            </a:pPr>
+            <a:r>
+              <a:t>Sirius - skottförsök: 20</a:t>
+            </a:r>
+          </a:p>
+        </p:txBody>
+      </p:sp>
+      <p:sp>
+        <p:nvSpPr>
+          <p:cNvPr id="6" name="Content Placeholder 5"/>
+          <p:cNvSpPr>
+            <a:spLocks noGrp="1"/>
+          </p:cNvSpPr>
+          <p:nvPr>
+            <p:ph idx="4" sz="quarter"/>
+          </p:nvPr>
+        </p:nvSpPr>
+        <p:spPr/>
+        <p:txBody>
+          <a:bodyPr/>
+          <a:lstStyle/>
+          <a:p/>
+          <a:p>
+            <a:pPr>
+              <a:defRPr>
+                <a:solidFill>
+                  <a:srgbClr val="000000"/>
+                </a:solidFill>
+              </a:defRPr>
+            </a:pPr>
+            <a:r>
+              <a:t>Boll: 2</a:t>
+            </a:r>
+          </a:p>
+          <a:p>
+            <a:pPr>
+              <a:defRPr>
+                <a:solidFill>
+                  <a:srgbClr val="000000"/>
+                </a:solidFill>
+              </a:defRPr>
+            </a:pPr>
+            <a:r>
+              <a:t>Bolltapp: 0</a:t>
+            </a:r>
+          </a:p>
+          <a:p>
+            <a:pPr>
+              <a:defRPr>
+                <a:solidFill>
+                  <a:srgbClr val="000000"/>
+                </a:solidFill>
+              </a:defRPr>
+            </a:pPr>
+            <a:r>
+              <a:t>Brytning: 0</a:t>
+            </a:r>
+          </a:p>
+          <a:p>
+            <a:pPr>
+              <a:defRPr>
+                <a:solidFill>
+                  <a:srgbClr val="000000"/>
+                </a:solidFill>
+              </a:defRPr>
+            </a:pPr>
+            <a:r>
+              <a:t>Frislag: 3</a:t>
+            </a:r>
+          </a:p>
+          <a:p>
+            <a:pPr>
+              <a:defRPr>
+                <a:solidFill>
+                  <a:srgbClr val="000000"/>
+                </a:solidFill>
+              </a:defRPr>
+            </a:pPr>
+            <a:r>
+              <a:t>Hörna: 8</a:t>
+            </a:r>
+          </a:p>
+          <a:p>
+            <a:pPr>
+              <a:defRPr>
+                <a:solidFill>
+                  <a:srgbClr val="000000"/>
+                </a:solidFill>
+              </a:defRPr>
+            </a:pPr>
+            <a:r>
+              <a:t>Inslag: 0</a:t>
+            </a:r>
+          </a:p>
+          <a:p>
+            <a:pPr>
+              <a:defRPr>
+                <a:solidFill>
+                  <a:srgbClr val="000000"/>
+                </a:solidFill>
+              </a:defRPr>
+            </a:pPr>
+            <a:r>
+              <a:t>Närkamp: 2</a:t>
+            </a:r>
+          </a:p>
+          <a:p>
+            <a:pPr>
+              <a:defRPr>
+                <a:solidFill>
+                  <a:srgbClr val="000000"/>
+                </a:solidFill>
+              </a:defRPr>
+            </a:pPr>
+            <a:r>
+              <a:t>Offside: 1</a:t>
+            </a:r>
+          </a:p>
+          <a:p>
+            <a:pPr>
+              <a:defRPr>
+                <a:solidFill>
+                  <a:srgbClr val="000000"/>
+                </a:solidFill>
+              </a:defRPr>
+            </a:pPr>
+            <a:r>
+              <a:t>Utkast: 4</a:t>
+            </a:r>
+          </a:p>
+        </p:txBody>
+      </p:sp>
+      <p:pic>
+        <p:nvPicPr>
+          <p:cNvPr id="8" name="Picture 7" descr="villa logo.png"/>
+          <p:cNvPicPr>
+            <a:picLocks noChangeAspect="1"/>
+          </p:cNvPicPr>
+          <p:nvPr/>
+        </p:nvPicPr>
+        <p:blipFill>
+          <a:blip r:embed="rId3"/>
           <a:stretch>
             <a:fillRect/>
           </a:stretch>
@@ -4739,14 +4865,14 @@
       </p:pic>
       <p:pic>
         <p:nvPicPr>
-          <p:cNvPr id="8" name="Picture 7" descr="sirius logo.png"/>
+          <p:cNvPr id="9" name="Picture 8" descr="sirius logo.png"/>
           <p:cNvPicPr>
             <a:picLocks noChangeAspect="1"/>
           </p:cNvPicPr>
           <p:nvPr/>
         </p:nvPicPr>
         <p:blipFill>
-          <a:blip r:embed="rId3"/>
+          <a:blip r:embed="rId4"/>
           <a:stretch>
             <a:fillRect/>
           </a:stretch>
@@ -4772,14 +4898,6 @@
 <file path=ppt/slides/slide7.xml><?xml version="1.0" encoding="utf-8"?>
 <p:sld xmlns:a="http://schemas.openxmlformats.org/drawingml/2006/main" xmlns:p="http://schemas.openxmlformats.org/presentationml/2006/main" xmlns:r="http://schemas.openxmlformats.org/officeDocument/2006/relationships">
   <p:cSld>
-    <p:bg>
-      <p:bgPr>
-        <a:solidFill>
-          <a:srgbClr val="BEBEBE"/>
-        </a:solidFill>
-        <a:effectLst/>
-      </p:bgPr>
-    </p:bg>
     <p:spTree>
       <p:nvGrpSpPr>
         <p:cNvPr id="1" name=""/>
@@ -4787,155 +4905,9 @@
         <p:nvPr/>
       </p:nvGrpSpPr>
       <p:grpSpPr/>
-      <p:sp>
-        <p:nvSpPr>
-          <p:cNvPr id="2" name="Title 1"/>
-          <p:cNvSpPr>
-            <a:spLocks noGrp="1"/>
-          </p:cNvSpPr>
-          <p:nvPr>
-            <p:ph type="title"/>
-          </p:nvPr>
-        </p:nvSpPr>
-        <p:spPr/>
-        <p:txBody>
-          <a:bodyPr/>
-          <a:lstStyle/>
-          <a:p>
-            <a:r>
-              <a:t>Målen</a:t>
-            </a:r>
-          </a:p>
-        </p:txBody>
-      </p:sp>
-      <p:sp>
-        <p:nvSpPr>
-          <p:cNvPr id="3" name="Content Placeholder 2"/>
-          <p:cNvSpPr>
-            <a:spLocks noGrp="1"/>
-          </p:cNvSpPr>
-          <p:nvPr>
-            <p:ph idx="1"/>
-          </p:nvPr>
-        </p:nvSpPr>
-        <p:spPr/>
-        <p:txBody>
-          <a:bodyPr/>
-          <a:lstStyle/>
-          <a:p/>
-          <a:p>
-            <a:pPr>
-              <a:defRPr>
-                <a:solidFill>
-                  <a:srgbClr val="FFFEFE"/>
-                </a:solidFill>
-              </a:defRPr>
-            </a:pPr>
-            <a:r>
-              <a:t>0:03:10: bolltapp -&gt; inlägg på 32s.</a:t>
-            </a:r>
-          </a:p>
-          <a:p>
-            <a:pPr>
-              <a:defRPr>
-                <a:solidFill>
-                  <a:srgbClr val="FFFEFE"/>
-                </a:solidFill>
-              </a:defRPr>
-            </a:pPr>
-            <a:r>
-              <a:t>0:15:56: utkast -&gt; dribbling på 75s.</a:t>
-            </a:r>
-          </a:p>
-          <a:p>
-            <a:pPr>
-              <a:defRPr>
-                <a:solidFill>
-                  <a:srgbClr val="FFFEFE"/>
-                </a:solidFill>
-              </a:defRPr>
-            </a:pPr>
-            <a:r>
-              <a:t>0:19:13: hörna -&gt; centralt på 68s.</a:t>
-            </a:r>
-          </a:p>
-          <a:p>
-            <a:pPr>
-              <a:defRPr>
-                <a:solidFill>
-                  <a:srgbClr val="FFFEFE"/>
-                </a:solidFill>
-              </a:defRPr>
-            </a:pPr>
-            <a:r>
-              <a:t>0:24:19: hörna -&gt; 0 på 23s.</a:t>
-            </a:r>
-          </a:p>
-          <a:p>
-            <a:pPr>
-              <a:defRPr>
-                <a:solidFill>
-                  <a:srgbClr val="FFFEFE"/>
-                </a:solidFill>
-              </a:defRPr>
-            </a:pPr>
-            <a:r>
-              <a:t>0:05:01: närkamp -&gt; centralt på 25s.</a:t>
-            </a:r>
-          </a:p>
-          <a:p>
-            <a:pPr>
-              <a:defRPr>
-                <a:solidFill>
-                  <a:srgbClr val="000000"/>
-                </a:solidFill>
-              </a:defRPr>
-            </a:pPr>
-            <a:r>
-              <a:t>0:06:13: utkast -&gt; friställande på 21s.</a:t>
-            </a:r>
-          </a:p>
-          <a:p>
-            <a:pPr>
-              <a:defRPr>
-                <a:solidFill>
-                  <a:srgbClr val="FFFEFE"/>
-                </a:solidFill>
-              </a:defRPr>
-            </a:pPr>
-            <a:r>
-              <a:t>0:07:49: brytning -&gt; centralt på 8s.</a:t>
-            </a:r>
-          </a:p>
-          <a:p>
-            <a:pPr>
-              <a:defRPr>
-                <a:solidFill>
-                  <a:srgbClr val="FFFEFE"/>
-                </a:solidFill>
-              </a:defRPr>
-            </a:pPr>
-            <a:r>
-              <a:t>0:08:58: närkamp -&gt; centralt på 14s.</a:t>
-            </a:r>
-          </a:p>
-          <a:p>
-            <a:pPr>
-              <a:defRPr>
-                <a:solidFill>
-                  <a:srgbClr val="000000"/>
-                </a:solidFill>
-              </a:defRPr>
-            </a:pPr>
-            <a:r>
-              <a:t>0:22:13: utkast -&gt; utifrån på 61s.</a:t>
-            </a:r>
-          </a:p>
-        </p:txBody>
-      </p:sp>
       <p:pic>
         <p:nvPicPr>
-          <p:cNvPr id="4" name="Picture 3" descr="villa logo.png"/>
+          <p:cNvPr id="4" name="Picture 3" descr="background.png"/>
           <p:cNvPicPr>
             <a:picLocks noChangeAspect="1"/>
           </p:cNvPicPr>
@@ -4943,6 +4915,176 @@
         </p:nvPicPr>
         <p:blipFill>
           <a:blip r:embed="rId2"/>
+          <a:stretch>
+            <a:fillRect/>
+          </a:stretch>
+        </p:blipFill>
+        <p:spPr>
+          <a:xfrm>
+            <a:off x="0" y="0"/>
+            <a:ext cx="9144000" cy="6858000"/>
+          </a:xfrm>
+          <a:prstGeom prst="rect">
+            <a:avLst/>
+          </a:prstGeom>
+        </p:spPr>
+      </p:pic>
+      <p:sp>
+        <p:nvSpPr>
+          <p:cNvPr id="2" name="Title 1"/>
+          <p:cNvSpPr>
+            <a:spLocks noGrp="1"/>
+          </p:cNvSpPr>
+          <p:nvPr>
+            <p:ph type="title"/>
+          </p:nvPr>
+        </p:nvSpPr>
+        <p:spPr/>
+        <p:txBody>
+          <a:bodyPr/>
+          <a:lstStyle/>
+          <a:p>
+            <a:r>
+              <a:t>Målen</a:t>
+            </a:r>
+          </a:p>
+        </p:txBody>
+      </p:sp>
+      <p:sp>
+        <p:nvSpPr>
+          <p:cNvPr id="3" name="Content Placeholder 2"/>
+          <p:cNvSpPr>
+            <a:spLocks noGrp="1"/>
+          </p:cNvSpPr>
+          <p:nvPr>
+            <p:ph idx="1"/>
+          </p:nvPr>
+        </p:nvSpPr>
+        <p:spPr/>
+        <p:txBody>
+          <a:bodyPr/>
+          <a:lstStyle/>
+          <a:p/>
+          <a:p>
+            <a:pPr>
+              <a:defRPr>
+                <a:solidFill>
+                  <a:srgbClr val="FFFEFE"/>
+                </a:solidFill>
+              </a:defRPr>
+            </a:pPr>
+            <a:r>
+              <a:t>0:03:10: bolltapp -&gt; inlägg på 32s.</a:t>
+            </a:r>
+          </a:p>
+          <a:p>
+            <a:pPr>
+              <a:defRPr>
+                <a:solidFill>
+                  <a:srgbClr val="FFFEFE"/>
+                </a:solidFill>
+              </a:defRPr>
+            </a:pPr>
+            <a:r>
+              <a:t>0:15:56: utkast -&gt; dribbling på 75s.</a:t>
+            </a:r>
+          </a:p>
+          <a:p>
+            <a:pPr>
+              <a:defRPr>
+                <a:solidFill>
+                  <a:srgbClr val="FFFEFE"/>
+                </a:solidFill>
+              </a:defRPr>
+            </a:pPr>
+            <a:r>
+              <a:t>0:19:13: hörna -&gt; centralt på 68s.</a:t>
+            </a:r>
+          </a:p>
+          <a:p>
+            <a:pPr>
+              <a:defRPr>
+                <a:solidFill>
+                  <a:srgbClr val="FFFEFE"/>
+                </a:solidFill>
+              </a:defRPr>
+            </a:pPr>
+            <a:r>
+              <a:t>0:24:19: hörna -&gt; 0 på 23s.</a:t>
+            </a:r>
+          </a:p>
+          <a:p>
+            <a:pPr>
+              <a:defRPr>
+                <a:solidFill>
+                  <a:srgbClr val="FFFEFE"/>
+                </a:solidFill>
+              </a:defRPr>
+            </a:pPr>
+            <a:r>
+              <a:t>0:05:01: närkamp -&gt; centralt på 25s.</a:t>
+            </a:r>
+          </a:p>
+          <a:p>
+            <a:pPr>
+              <a:defRPr>
+                <a:solidFill>
+                  <a:srgbClr val="000000"/>
+                </a:solidFill>
+              </a:defRPr>
+            </a:pPr>
+            <a:r>
+              <a:t>0:06:13: utkast -&gt; friställande på 21s.</a:t>
+            </a:r>
+          </a:p>
+          <a:p>
+            <a:pPr>
+              <a:defRPr>
+                <a:solidFill>
+                  <a:srgbClr val="FFFEFE"/>
+                </a:solidFill>
+              </a:defRPr>
+            </a:pPr>
+            <a:r>
+              <a:t>0:07:49: brytning -&gt; centralt på 8s.</a:t>
+            </a:r>
+          </a:p>
+          <a:p>
+            <a:pPr>
+              <a:defRPr>
+                <a:solidFill>
+                  <a:srgbClr val="FFFEFE"/>
+                </a:solidFill>
+              </a:defRPr>
+            </a:pPr>
+            <a:r>
+              <a:t>0:08:58: närkamp -&gt; centralt på 14s.</a:t>
+            </a:r>
+          </a:p>
+          <a:p>
+            <a:pPr>
+              <a:defRPr>
+                <a:solidFill>
+                  <a:srgbClr val="000000"/>
+                </a:solidFill>
+              </a:defRPr>
+            </a:pPr>
+            <a:r>
+              <a:t>0:22:13: utkast -&gt; utifrån på 61s.</a:t>
+            </a:r>
+          </a:p>
+        </p:txBody>
+      </p:sp>
+      <p:pic>
+        <p:nvPicPr>
+          <p:cNvPr id="5" name="Picture 4" descr="villa logo.png"/>
+          <p:cNvPicPr>
+            <a:picLocks noChangeAspect="1"/>
+          </p:cNvPicPr>
+          <p:nvPr/>
+        </p:nvPicPr>
+        <p:blipFill>
+          <a:blip r:embed="rId3"/>
           <a:stretch>
             <a:fillRect/>
           </a:stretch>
@@ -4959,14 +5101,14 @@
       </p:pic>
       <p:pic>
         <p:nvPicPr>
-          <p:cNvPr id="5" name="Picture 4" descr="sirius logo.png"/>
+          <p:cNvPr id="6" name="Picture 5" descr="sirius logo.png"/>
           <p:cNvPicPr>
             <a:picLocks noChangeAspect="1"/>
           </p:cNvPicPr>
           <p:nvPr/>
         </p:nvPicPr>
         <p:blipFill>
-          <a:blip r:embed="rId3"/>
+          <a:blip r:embed="rId4"/>
           <a:stretch>
             <a:fillRect/>
           </a:stretch>
